--- a/Kaggle Competition/Submission/CSE 151B Presentation.pptx
+++ b/Kaggle Competition/Submission/CSE 151B Presentation.pptx
@@ -23,16 +23,19 @@
     <p:sldId id="268" r:id="rId18"/>
     <p:sldId id="269" r:id="rId19"/>
     <p:sldId id="270" r:id="rId20"/>
+    <p:sldId id="271" r:id="rId21"/>
+    <p:sldId id="272" r:id="rId22"/>
+    <p:sldId id="273" r:id="rId23"/>
   </p:sldIdLst>
   <p:sldSz cy="5143500" cx="9144000"/>
   <p:notesSz cx="6858000" cy="9144000"/>
   <p:embeddedFontLst>
     <p:embeddedFont>
       <p:font typeface="Source Code Pro"/>
-      <p:regular r:id="rId21"/>
-      <p:bold r:id="rId22"/>
-      <p:italic r:id="rId23"/>
-      <p:boldItalic r:id="rId24"/>
+      <p:regular r:id="rId24"/>
+      <p:bold r:id="rId25"/>
+      <p:italic r:id="rId26"/>
+      <p:boldItalic r:id="rId27"/>
     </p:embeddedFont>
   </p:embeddedFontLst>
   <p:defaultTextStyle>
@@ -813,7 +816,7 @@
   <p:cSld>
     <p:spTree>
       <p:nvGrpSpPr>
-        <p:cNvPr id="110" name="Shape 110"/>
+        <p:cNvPr id="116" name="Shape 116"/>
         <p:cNvGrpSpPr/>
         <p:nvPr/>
       </p:nvGrpSpPr>
@@ -827,7 +830,7 @@
       </p:grpSpPr>
       <p:sp>
         <p:nvSpPr>
-          <p:cNvPr id="111" name="Google Shape;111;g9e5a1363c9_0_85:notes"/>
+          <p:cNvPr id="117" name="Google Shape;117;g9e5a1363c9_0_94:notes"/>
           <p:cNvSpPr/>
           <p:nvPr>
             <p:ph idx="2" type="sldImg"/>
@@ -862,7 +865,7 @@
       </p:sp>
       <p:sp>
         <p:nvSpPr>
-          <p:cNvPr id="112" name="Google Shape;112;g9e5a1363c9_0_85:notes"/>
+          <p:cNvPr id="118" name="Google Shape;118;g9e5a1363c9_0_94:notes"/>
           <p:cNvSpPr txBox="1"/>
           <p:nvPr>
             <p:ph idx="1" type="body"/>
@@ -912,7 +915,7 @@
   <p:cSld>
     <p:spTree>
       <p:nvGrpSpPr>
-        <p:cNvPr id="115" name="Shape 115"/>
+        <p:cNvPr id="126" name="Shape 126"/>
         <p:cNvGrpSpPr/>
         <p:nvPr/>
       </p:nvGrpSpPr>
@@ -926,7 +929,7 @@
       </p:grpSpPr>
       <p:sp>
         <p:nvSpPr>
-          <p:cNvPr id="116" name="Google Shape;116;g9e5a1363c9_0_99:notes"/>
+          <p:cNvPr id="127" name="Google Shape;127;g9e5a1363c9_0_85:notes"/>
           <p:cNvSpPr/>
           <p:nvPr>
             <p:ph idx="2" type="sldImg"/>
@@ -961,7 +964,7 @@
       </p:sp>
       <p:sp>
         <p:nvSpPr>
-          <p:cNvPr id="117" name="Google Shape;117;g9e5a1363c9_0_99:notes"/>
+          <p:cNvPr id="128" name="Google Shape;128;g9e5a1363c9_0_85:notes"/>
           <p:cNvSpPr txBox="1"/>
           <p:nvPr>
             <p:ph idx="1" type="body"/>
@@ -1011,7 +1014,7 @@
   <p:cSld>
     <p:spTree>
       <p:nvGrpSpPr>
-        <p:cNvPr id="121" name="Shape 121"/>
+        <p:cNvPr id="131" name="Shape 131"/>
         <p:cNvGrpSpPr/>
         <p:nvPr/>
       </p:nvGrpSpPr>
@@ -1025,7 +1028,7 @@
       </p:grpSpPr>
       <p:sp>
         <p:nvSpPr>
-          <p:cNvPr id="122" name="Google Shape;122;g9e5a1363c9_0_89:notes"/>
+          <p:cNvPr id="132" name="Google Shape;132;g9e5a1363c9_0_99:notes"/>
           <p:cNvSpPr/>
           <p:nvPr>
             <p:ph idx="2" type="sldImg"/>
@@ -1060,7 +1063,7 @@
       </p:sp>
       <p:sp>
         <p:nvSpPr>
-          <p:cNvPr id="123" name="Google Shape;123;g9e5a1363c9_0_89:notes"/>
+          <p:cNvPr id="133" name="Google Shape;133;g9e5a1363c9_0_99:notes"/>
           <p:cNvSpPr txBox="1"/>
           <p:nvPr>
             <p:ph idx="1" type="body"/>
@@ -1110,7 +1113,7 @@
   <p:cSld>
     <p:spTree>
       <p:nvGrpSpPr>
-        <p:cNvPr id="127" name="Shape 127"/>
+        <p:cNvPr id="139" name="Shape 139"/>
         <p:cNvGrpSpPr/>
         <p:nvPr/>
       </p:nvGrpSpPr>
@@ -1124,7 +1127,7 @@
       </p:grpSpPr>
       <p:sp>
         <p:nvSpPr>
-          <p:cNvPr id="128" name="Google Shape;128;g9e5a1363c9_0_81:notes"/>
+          <p:cNvPr id="140" name="Google Shape;140;g9e5a1363c9_0_89:notes"/>
           <p:cNvSpPr/>
           <p:nvPr>
             <p:ph idx="2" type="sldImg"/>
@@ -1159,7 +1162,7 @@
       </p:sp>
       <p:sp>
         <p:nvSpPr>
-          <p:cNvPr id="129" name="Google Shape;129;g9e5a1363c9_0_81:notes"/>
+          <p:cNvPr id="141" name="Google Shape;141;g9e5a1363c9_0_89:notes"/>
           <p:cNvSpPr txBox="1"/>
           <p:nvPr>
             <p:ph idx="1" type="body"/>
@@ -1209,7 +1212,7 @@
   <p:cSld>
     <p:spTree>
       <p:nvGrpSpPr>
-        <p:cNvPr id="132" name="Shape 132"/>
+        <p:cNvPr id="145" name="Shape 145"/>
         <p:cNvGrpSpPr/>
         <p:nvPr/>
       </p:nvGrpSpPr>
@@ -1223,7 +1226,7 @@
       </p:grpSpPr>
       <p:sp>
         <p:nvSpPr>
-          <p:cNvPr id="133" name="Google Shape;133;gc6f80d1ff_0_66:notes"/>
+          <p:cNvPr id="146" name="Google Shape;146;g132728878fa_0_44:notes"/>
           <p:cNvSpPr/>
           <p:nvPr>
             <p:ph idx="2" type="sldImg"/>
@@ -1258,7 +1261,7 @@
       </p:sp>
       <p:sp>
         <p:nvSpPr>
-          <p:cNvPr id="134" name="Google Shape;134;gc6f80d1ff_0_66:notes"/>
+          <p:cNvPr id="147" name="Google Shape;147;g132728878fa_0_44:notes"/>
           <p:cNvSpPr txBox="1"/>
           <p:nvPr>
             <p:ph idx="1" type="body"/>
@@ -1308,7 +1311,7 @@
   <p:cSld>
     <p:spTree>
       <p:nvGrpSpPr>
-        <p:cNvPr id="138" name="Shape 138"/>
+        <p:cNvPr id="152" name="Shape 152"/>
         <p:cNvGrpSpPr/>
         <p:nvPr/>
       </p:nvGrpSpPr>
@@ -1322,7 +1325,7 @@
       </p:grpSpPr>
       <p:sp>
         <p:nvSpPr>
-          <p:cNvPr id="139" name="Google Shape;139;gccdee0fa79_1_0:notes"/>
+          <p:cNvPr id="153" name="Google Shape;153;g132728878fa_0_54:notes"/>
           <p:cNvSpPr/>
           <p:nvPr>
             <p:ph idx="2" type="sldImg"/>
@@ -1357,7 +1360,304 @@
       </p:sp>
       <p:sp>
         <p:nvSpPr>
-          <p:cNvPr id="140" name="Google Shape;140;gccdee0fa79_1_0:notes"/>
+          <p:cNvPr id="154" name="Google Shape;154;g132728878fa_0_54:notes"/>
+          <p:cNvSpPr txBox="1"/>
+          <p:nvPr>
+            <p:ph idx="1" type="body"/>
+          </p:nvPr>
+        </p:nvSpPr>
+        <p:spPr>
+          <a:xfrm>
+            <a:off x="685800" y="4343400"/>
+            <a:ext cx="5486400" cy="4114800"/>
+          </a:xfrm>
+          <a:prstGeom prst="rect">
+            <a:avLst/>
+          </a:prstGeom>
+        </p:spPr>
+        <p:txBody>
+          <a:bodyPr anchorCtr="0" anchor="t" bIns="91425" lIns="91425" spcFirstLastPara="1" rIns="91425" wrap="square" tIns="91425">
+            <a:noAutofit/>
+          </a:bodyPr>
+          <a:lstStyle/>
+          <a:p>
+            <a:pPr indent="0" lvl="0" marL="0" rtl="0" algn="l">
+              <a:spcBef>
+                <a:spcPts val="0"/>
+              </a:spcBef>
+              <a:spcAft>
+                <a:spcPts val="0"/>
+              </a:spcAft>
+              <a:buNone/>
+            </a:pPr>
+            <a:r>
+              <a:t/>
+            </a:r>
+            <a:endParaRPr/>
+          </a:p>
+        </p:txBody>
+      </p:sp>
+    </p:spTree>
+  </p:cSld>
+  <p:clrMapOvr>
+    <a:masterClrMapping/>
+  </p:clrMapOvr>
+</p:notes>
+</file>
+
+<file path=ppt/notesSlides/notesSlide16.xml><?xml version="1.0" encoding="utf-8"?>
+<p:notes xmlns:a="http://schemas.openxmlformats.org/drawingml/2006/main" xmlns:r="http://schemas.openxmlformats.org/officeDocument/2006/relationships" xmlns:mc="http://schemas.openxmlformats.org/markup-compatibility/2006" xmlns:mv="urn:schemas-microsoft-com:mac:vml" xmlns:p="http://schemas.openxmlformats.org/presentationml/2006/main" xmlns:c="http://schemas.openxmlformats.org/drawingml/2006/chart" xmlns:dgm="http://schemas.openxmlformats.org/drawingml/2006/diagram" xmlns:o="urn:schemas-microsoft-com:office:office" xmlns:v="urn:schemas-microsoft-com:vml" xmlns:pvml="urn:schemas-microsoft-com:office:powerpoint" xmlns:com="http://schemas.openxmlformats.org/drawingml/2006/compatibility" xmlns:p14="http://schemas.microsoft.com/office/powerpoint/2010/main" xmlns:p15="http://schemas.microsoft.com/office/powerpoint/2012/main" xmlns:ahyp="http://schemas.microsoft.com/office/drawing/2018/hyperlinkcolor" showMasterPhAnim="0" showMasterSp="0">
+  <p:cSld>
+    <p:spTree>
+      <p:nvGrpSpPr>
+        <p:cNvPr id="158" name="Shape 158"/>
+        <p:cNvGrpSpPr/>
+        <p:nvPr/>
+      </p:nvGrpSpPr>
+      <p:grpSpPr>
+        <a:xfrm>
+          <a:off x="0" y="0"/>
+          <a:ext cx="0" cy="0"/>
+          <a:chOff x="0" y="0"/>
+          <a:chExt cx="0" cy="0"/>
+        </a:xfrm>
+      </p:grpSpPr>
+      <p:sp>
+        <p:nvSpPr>
+          <p:cNvPr id="159" name="Google Shape;159;g9e5a1363c9_0_81:notes"/>
+          <p:cNvSpPr/>
+          <p:nvPr>
+            <p:ph idx="2" type="sldImg"/>
+          </p:nvPr>
+        </p:nvSpPr>
+        <p:spPr>
+          <a:xfrm>
+            <a:off x="381188" y="685800"/>
+            <a:ext cx="6096300" cy="3429000"/>
+          </a:xfrm>
+          <a:custGeom>
+            <a:rect b="b" l="l" r="r" t="t"/>
+            <a:pathLst>
+              <a:path extrusionOk="0" h="120000" w="120000">
+                <a:moveTo>
+                  <a:pt x="0" y="0"/>
+                </a:moveTo>
+                <a:lnTo>
+                  <a:pt x="120000" y="0"/>
+                </a:lnTo>
+                <a:lnTo>
+                  <a:pt x="120000" y="120000"/>
+                </a:lnTo>
+                <a:lnTo>
+                  <a:pt x="0" y="120000"/>
+                </a:lnTo>
+                <a:close/>
+              </a:path>
+            </a:pathLst>
+          </a:custGeom>
+        </p:spPr>
+      </p:sp>
+      <p:sp>
+        <p:nvSpPr>
+          <p:cNvPr id="160" name="Google Shape;160;g9e5a1363c9_0_81:notes"/>
+          <p:cNvSpPr txBox="1"/>
+          <p:nvPr>
+            <p:ph idx="1" type="body"/>
+          </p:nvPr>
+        </p:nvSpPr>
+        <p:spPr>
+          <a:xfrm>
+            <a:off x="685800" y="4343400"/>
+            <a:ext cx="5486400" cy="4114800"/>
+          </a:xfrm>
+          <a:prstGeom prst="rect">
+            <a:avLst/>
+          </a:prstGeom>
+        </p:spPr>
+        <p:txBody>
+          <a:bodyPr anchorCtr="0" anchor="t" bIns="91425" lIns="91425" spcFirstLastPara="1" rIns="91425" wrap="square" tIns="91425">
+            <a:noAutofit/>
+          </a:bodyPr>
+          <a:lstStyle/>
+          <a:p>
+            <a:pPr indent="0" lvl="0" marL="0" rtl="0" algn="l">
+              <a:spcBef>
+                <a:spcPts val="0"/>
+              </a:spcBef>
+              <a:spcAft>
+                <a:spcPts val="0"/>
+              </a:spcAft>
+              <a:buNone/>
+            </a:pPr>
+            <a:r>
+              <a:t/>
+            </a:r>
+            <a:endParaRPr/>
+          </a:p>
+        </p:txBody>
+      </p:sp>
+    </p:spTree>
+  </p:cSld>
+  <p:clrMapOvr>
+    <a:masterClrMapping/>
+  </p:clrMapOvr>
+</p:notes>
+</file>
+
+<file path=ppt/notesSlides/notesSlide17.xml><?xml version="1.0" encoding="utf-8"?>
+<p:notes xmlns:a="http://schemas.openxmlformats.org/drawingml/2006/main" xmlns:r="http://schemas.openxmlformats.org/officeDocument/2006/relationships" xmlns:mc="http://schemas.openxmlformats.org/markup-compatibility/2006" xmlns:mv="urn:schemas-microsoft-com:mac:vml" xmlns:p="http://schemas.openxmlformats.org/presentationml/2006/main" xmlns:c="http://schemas.openxmlformats.org/drawingml/2006/chart" xmlns:dgm="http://schemas.openxmlformats.org/drawingml/2006/diagram" xmlns:o="urn:schemas-microsoft-com:office:office" xmlns:v="urn:schemas-microsoft-com:vml" xmlns:pvml="urn:schemas-microsoft-com:office:powerpoint" xmlns:com="http://schemas.openxmlformats.org/drawingml/2006/compatibility" xmlns:p14="http://schemas.microsoft.com/office/powerpoint/2010/main" xmlns:p15="http://schemas.microsoft.com/office/powerpoint/2012/main" xmlns:ahyp="http://schemas.microsoft.com/office/drawing/2018/hyperlinkcolor" showMasterPhAnim="0" showMasterSp="0">
+  <p:cSld>
+    <p:spTree>
+      <p:nvGrpSpPr>
+        <p:cNvPr id="163" name="Shape 163"/>
+        <p:cNvGrpSpPr/>
+        <p:nvPr/>
+      </p:nvGrpSpPr>
+      <p:grpSpPr>
+        <a:xfrm>
+          <a:off x="0" y="0"/>
+          <a:ext cx="0" cy="0"/>
+          <a:chOff x="0" y="0"/>
+          <a:chExt cx="0" cy="0"/>
+        </a:xfrm>
+      </p:grpSpPr>
+      <p:sp>
+        <p:nvSpPr>
+          <p:cNvPr id="164" name="Google Shape;164;gc6f80d1ff_0_66:notes"/>
+          <p:cNvSpPr/>
+          <p:nvPr>
+            <p:ph idx="2" type="sldImg"/>
+          </p:nvPr>
+        </p:nvSpPr>
+        <p:spPr>
+          <a:xfrm>
+            <a:off x="381188" y="685800"/>
+            <a:ext cx="6096300" cy="3429000"/>
+          </a:xfrm>
+          <a:custGeom>
+            <a:rect b="b" l="l" r="r" t="t"/>
+            <a:pathLst>
+              <a:path extrusionOk="0" h="120000" w="120000">
+                <a:moveTo>
+                  <a:pt x="0" y="0"/>
+                </a:moveTo>
+                <a:lnTo>
+                  <a:pt x="120000" y="0"/>
+                </a:lnTo>
+                <a:lnTo>
+                  <a:pt x="120000" y="120000"/>
+                </a:lnTo>
+                <a:lnTo>
+                  <a:pt x="0" y="120000"/>
+                </a:lnTo>
+                <a:close/>
+              </a:path>
+            </a:pathLst>
+          </a:custGeom>
+        </p:spPr>
+      </p:sp>
+      <p:sp>
+        <p:nvSpPr>
+          <p:cNvPr id="165" name="Google Shape;165;gc6f80d1ff_0_66:notes"/>
+          <p:cNvSpPr txBox="1"/>
+          <p:nvPr>
+            <p:ph idx="1" type="body"/>
+          </p:nvPr>
+        </p:nvSpPr>
+        <p:spPr>
+          <a:xfrm>
+            <a:off x="685800" y="4343400"/>
+            <a:ext cx="5486400" cy="4114800"/>
+          </a:xfrm>
+          <a:prstGeom prst="rect">
+            <a:avLst/>
+          </a:prstGeom>
+        </p:spPr>
+        <p:txBody>
+          <a:bodyPr anchorCtr="0" anchor="t" bIns="91425" lIns="91425" spcFirstLastPara="1" rIns="91425" wrap="square" tIns="91425">
+            <a:noAutofit/>
+          </a:bodyPr>
+          <a:lstStyle/>
+          <a:p>
+            <a:pPr indent="0" lvl="0" marL="0" rtl="0" algn="l">
+              <a:spcBef>
+                <a:spcPts val="0"/>
+              </a:spcBef>
+              <a:spcAft>
+                <a:spcPts val="0"/>
+              </a:spcAft>
+              <a:buNone/>
+            </a:pPr>
+            <a:r>
+              <a:t/>
+            </a:r>
+            <a:endParaRPr/>
+          </a:p>
+        </p:txBody>
+      </p:sp>
+    </p:spTree>
+  </p:cSld>
+  <p:clrMapOvr>
+    <a:masterClrMapping/>
+  </p:clrMapOvr>
+</p:notes>
+</file>
+
+<file path=ppt/notesSlides/notesSlide18.xml><?xml version="1.0" encoding="utf-8"?>
+<p:notes xmlns:a="http://schemas.openxmlformats.org/drawingml/2006/main" xmlns:r="http://schemas.openxmlformats.org/officeDocument/2006/relationships" xmlns:mc="http://schemas.openxmlformats.org/markup-compatibility/2006" xmlns:mv="urn:schemas-microsoft-com:mac:vml" xmlns:p="http://schemas.openxmlformats.org/presentationml/2006/main" xmlns:c="http://schemas.openxmlformats.org/drawingml/2006/chart" xmlns:dgm="http://schemas.openxmlformats.org/drawingml/2006/diagram" xmlns:o="urn:schemas-microsoft-com:office:office" xmlns:v="urn:schemas-microsoft-com:vml" xmlns:pvml="urn:schemas-microsoft-com:office:powerpoint" xmlns:com="http://schemas.openxmlformats.org/drawingml/2006/compatibility" xmlns:p14="http://schemas.microsoft.com/office/powerpoint/2010/main" xmlns:p15="http://schemas.microsoft.com/office/powerpoint/2012/main" xmlns:ahyp="http://schemas.microsoft.com/office/drawing/2018/hyperlinkcolor" showMasterPhAnim="0" showMasterSp="0">
+  <p:cSld>
+    <p:spTree>
+      <p:nvGrpSpPr>
+        <p:cNvPr id="169" name="Shape 169"/>
+        <p:cNvGrpSpPr/>
+        <p:nvPr/>
+      </p:nvGrpSpPr>
+      <p:grpSpPr>
+        <a:xfrm>
+          <a:off x="0" y="0"/>
+          <a:ext cx="0" cy="0"/>
+          <a:chOff x="0" y="0"/>
+          <a:chExt cx="0" cy="0"/>
+        </a:xfrm>
+      </p:grpSpPr>
+      <p:sp>
+        <p:nvSpPr>
+          <p:cNvPr id="170" name="Google Shape;170;gccdee0fa79_1_0:notes"/>
+          <p:cNvSpPr/>
+          <p:nvPr>
+            <p:ph idx="2" type="sldImg"/>
+          </p:nvPr>
+        </p:nvSpPr>
+        <p:spPr>
+          <a:xfrm>
+            <a:off x="381188" y="685800"/>
+            <a:ext cx="6096300" cy="3429000"/>
+          </a:xfrm>
+          <a:custGeom>
+            <a:rect b="b" l="l" r="r" t="t"/>
+            <a:pathLst>
+              <a:path extrusionOk="0" h="120000" w="120000">
+                <a:moveTo>
+                  <a:pt x="0" y="0"/>
+                </a:moveTo>
+                <a:lnTo>
+                  <a:pt x="120000" y="0"/>
+                </a:lnTo>
+                <a:lnTo>
+                  <a:pt x="120000" y="120000"/>
+                </a:lnTo>
+                <a:lnTo>
+                  <a:pt x="0" y="120000"/>
+                </a:lnTo>
+                <a:close/>
+              </a:path>
+            </a:pathLst>
+          </a:custGeom>
+        </p:spPr>
+      </p:sp>
+      <p:sp>
+        <p:nvSpPr>
+          <p:cNvPr id="171" name="Google Shape;171;gccdee0fa79_1_0:notes"/>
           <p:cNvSpPr txBox="1"/>
           <p:nvPr>
             <p:ph idx="1" type="body"/>
@@ -1803,7 +2103,7 @@
   <p:cSld>
     <p:spTree>
       <p:nvGrpSpPr>
-        <p:cNvPr id="87" name="Shape 87"/>
+        <p:cNvPr id="89" name="Shape 89"/>
         <p:cNvGrpSpPr/>
         <p:nvPr/>
       </p:nvGrpSpPr>
@@ -1817,7 +2117,7 @@
       </p:grpSpPr>
       <p:sp>
         <p:nvSpPr>
-          <p:cNvPr id="88" name="Google Shape;88;g9e5a1363c9_0_45:notes"/>
+          <p:cNvPr id="90" name="Google Shape;90;g9e5a1363c9_0_45:notes"/>
           <p:cNvSpPr/>
           <p:nvPr>
             <p:ph idx="2" type="sldImg"/>
@@ -1852,7 +2152,7 @@
       </p:sp>
       <p:sp>
         <p:nvSpPr>
-          <p:cNvPr id="89" name="Google Shape;89;g9e5a1363c9_0_45:notes"/>
+          <p:cNvPr id="91" name="Google Shape;91;g9e5a1363c9_0_45:notes"/>
           <p:cNvSpPr txBox="1"/>
           <p:nvPr>
             <p:ph idx="1" type="body"/>
@@ -1902,7 +2202,7 @@
   <p:cSld>
     <p:spTree>
       <p:nvGrpSpPr>
-        <p:cNvPr id="92" name="Shape 92"/>
+        <p:cNvPr id="94" name="Shape 94"/>
         <p:cNvGrpSpPr/>
         <p:nvPr/>
       </p:nvGrpSpPr>
@@ -1916,7 +2216,7 @@
       </p:grpSpPr>
       <p:sp>
         <p:nvSpPr>
-          <p:cNvPr id="93" name="Google Shape;93;g9e5a1363c9_0_49:notes"/>
+          <p:cNvPr id="95" name="Google Shape;95;g9e5a1363c9_0_49:notes"/>
           <p:cNvSpPr/>
           <p:nvPr>
             <p:ph idx="2" type="sldImg"/>
@@ -1951,7 +2251,7 @@
       </p:sp>
       <p:sp>
         <p:nvSpPr>
-          <p:cNvPr id="94" name="Google Shape;94;g9e5a1363c9_0_49:notes"/>
+          <p:cNvPr id="96" name="Google Shape;96;g9e5a1363c9_0_49:notes"/>
           <p:cNvSpPr txBox="1"/>
           <p:nvPr>
             <p:ph idx="1" type="body"/>
@@ -2001,7 +2301,7 @@
   <p:cSld>
     <p:spTree>
       <p:nvGrpSpPr>
-        <p:cNvPr id="98" name="Shape 98"/>
+        <p:cNvPr id="102" name="Shape 102"/>
         <p:cNvGrpSpPr/>
         <p:nvPr/>
       </p:nvGrpSpPr>
@@ -2015,7 +2315,7 @@
       </p:grpSpPr>
       <p:sp>
         <p:nvSpPr>
-          <p:cNvPr id="99" name="Google Shape;99;g9e5a1363c9_0_72:notes"/>
+          <p:cNvPr id="103" name="Google Shape;103;g132728878fa_0_14:notes"/>
           <p:cNvSpPr/>
           <p:nvPr>
             <p:ph idx="2" type="sldImg"/>
@@ -2050,7 +2350,7 @@
       </p:sp>
       <p:sp>
         <p:nvSpPr>
-          <p:cNvPr id="100" name="Google Shape;100;g9e5a1363c9_0_72:notes"/>
+          <p:cNvPr id="104" name="Google Shape;104;g132728878fa_0_14:notes"/>
           <p:cNvSpPr txBox="1"/>
           <p:nvPr>
             <p:ph idx="1" type="body"/>
@@ -2100,7 +2400,7 @@
   <p:cSld>
     <p:spTree>
       <p:nvGrpSpPr>
-        <p:cNvPr id="104" name="Shape 104"/>
+        <p:cNvPr id="110" name="Shape 110"/>
         <p:cNvGrpSpPr/>
         <p:nvPr/>
       </p:nvGrpSpPr>
@@ -2114,7 +2414,7 @@
       </p:grpSpPr>
       <p:sp>
         <p:nvSpPr>
-          <p:cNvPr id="105" name="Google Shape;105;g9e5a1363c9_0_94:notes"/>
+          <p:cNvPr id="111" name="Google Shape;111;g9e5a1363c9_0_72:notes"/>
           <p:cNvSpPr/>
           <p:nvPr>
             <p:ph idx="2" type="sldImg"/>
@@ -2149,7 +2449,7 @@
       </p:sp>
       <p:sp>
         <p:nvSpPr>
-          <p:cNvPr id="106" name="Google Shape;106;g9e5a1363c9_0_94:notes"/>
+          <p:cNvPr id="112" name="Google Shape;112;g9e5a1363c9_0_72:notes"/>
           <p:cNvSpPr txBox="1"/>
           <p:nvPr>
             <p:ph idx="1" type="body"/>
@@ -6894,7 +7194,7 @@
             </a:pPr>
             <a:r>
               <a:rPr lang="en"/>
-              <a:t>Presentation Title</a:t>
+              <a:t>Final Presentation</a:t>
             </a:r>
             <a:endParaRPr/>
           </a:p>
@@ -6934,7 +7234,7 @@
             </a:pPr>
             <a:r>
               <a:rPr lang="en"/>
-              <a:t>Presenter Name</a:t>
+              <a:t>William Sun</a:t>
             </a:r>
             <a:endParaRPr/>
           </a:p>
@@ -6953,7 +7253,7 @@
   <p:cSld>
     <p:spTree>
       <p:nvGrpSpPr>
-        <p:cNvPr id="113" name="Shape 113"/>
+        <p:cNvPr id="119" name="Shape 119"/>
         <p:cNvGrpSpPr/>
         <p:nvPr/>
       </p:nvGrpSpPr>
@@ -6967,7 +7267,7 @@
       </p:grpSpPr>
       <p:sp>
         <p:nvSpPr>
-          <p:cNvPr id="114" name="Google Shape;114;p22"/>
+          <p:cNvPr id="120" name="Google Shape;120;p22"/>
           <p:cNvSpPr txBox="1"/>
           <p:nvPr>
             <p:ph type="title"/>
@@ -6975,20 +7275,20 @@
         </p:nvSpPr>
         <p:spPr>
           <a:xfrm>
-            <a:off x="311700" y="2150850"/>
-            <a:ext cx="8520600" cy="841800"/>
+            <a:off x="311700" y="555600"/>
+            <a:ext cx="2808000" cy="755700"/>
           </a:xfrm>
           <a:prstGeom prst="rect">
             <a:avLst/>
           </a:prstGeom>
         </p:spPr>
         <p:txBody>
-          <a:bodyPr anchorCtr="0" anchor="ctr" bIns="91425" lIns="91425" spcFirstLastPara="1" rIns="91425" wrap="square" tIns="91425">
+          <a:bodyPr anchorCtr="0" anchor="b" bIns="91425" lIns="91425" spcFirstLastPara="1" rIns="91425" wrap="square" tIns="91425">
             <a:noAutofit/>
           </a:bodyPr>
           <a:lstStyle/>
           <a:p>
-            <a:pPr indent="0" lvl="0" marL="0" rtl="0" algn="ctr">
+            <a:pPr indent="0" lvl="0" marL="0" rtl="0" algn="l">
               <a:spcBef>
                 <a:spcPts val="0"/>
               </a:spcBef>
@@ -6999,12 +7299,308 @@
             </a:pPr>
             <a:r>
               <a:rPr lang="en"/>
-              <a:t>Experiments</a:t>
+              <a:t>Engineering Tricks </a:t>
             </a:r>
             <a:endParaRPr/>
           </a:p>
         </p:txBody>
       </p:sp>
+      <p:sp>
+        <p:nvSpPr>
+          <p:cNvPr id="121" name="Google Shape;121;p22"/>
+          <p:cNvSpPr txBox="1"/>
+          <p:nvPr>
+            <p:ph idx="1" type="body"/>
+          </p:nvPr>
+        </p:nvSpPr>
+        <p:spPr>
+          <a:xfrm>
+            <a:off x="311700" y="1389600"/>
+            <a:ext cx="4309200" cy="3179400"/>
+          </a:xfrm>
+          <a:prstGeom prst="rect">
+            <a:avLst/>
+          </a:prstGeom>
+        </p:spPr>
+        <p:txBody>
+          <a:bodyPr anchorCtr="0" anchor="t" bIns="91425" lIns="91425" spcFirstLastPara="1" rIns="91425" wrap="square" tIns="91425">
+            <a:noAutofit/>
+          </a:bodyPr>
+          <a:lstStyle/>
+          <a:p>
+            <a:pPr indent="-304800" lvl="0" marL="457200" marR="0" rtl="0" algn="l">
+              <a:lnSpc>
+                <a:spcPct val="115000"/>
+              </a:lnSpc>
+              <a:spcBef>
+                <a:spcPts val="0"/>
+              </a:spcBef>
+              <a:spcAft>
+                <a:spcPts val="0"/>
+              </a:spcAft>
+              <a:buSzPts val="1200"/>
+              <a:buChar char="●"/>
+            </a:pPr>
+            <a:r>
+              <a:rPr lang="en"/>
+              <a:t>Idea: take advantage of physics of real-life model → agents must move based on a model of motion</a:t>
+            </a:r>
+            <a:endParaRPr/>
+          </a:p>
+          <a:p>
+            <a:pPr indent="-304800" lvl="1" marL="914400" marR="0" rtl="0" algn="l">
+              <a:lnSpc>
+                <a:spcPct val="115000"/>
+              </a:lnSpc>
+              <a:spcBef>
+                <a:spcPts val="0"/>
+              </a:spcBef>
+              <a:spcAft>
+                <a:spcPts val="0"/>
+              </a:spcAft>
+              <a:buSzPts val="1200"/>
+              <a:buChar char="○"/>
+            </a:pPr>
+            <a:r>
+              <a:rPr lang="en"/>
+              <a:t>Use velocity information</a:t>
+            </a:r>
+            <a:endParaRPr/>
+          </a:p>
+          <a:p>
+            <a:pPr indent="-304800" lvl="1" marL="914400" marR="0" rtl="0" algn="l">
+              <a:lnSpc>
+                <a:spcPct val="115000"/>
+              </a:lnSpc>
+              <a:spcBef>
+                <a:spcPts val="0"/>
+              </a:spcBef>
+              <a:spcAft>
+                <a:spcPts val="0"/>
+              </a:spcAft>
+              <a:buSzPts val="1200"/>
+              <a:buChar char="○"/>
+            </a:pPr>
+            <a:r>
+              <a:rPr lang="en"/>
+              <a:t>Use acceleration information</a:t>
+            </a:r>
+            <a:endParaRPr/>
+          </a:p>
+          <a:p>
+            <a:pPr indent="-304800" lvl="0" marL="457200" marR="0" rtl="0" algn="l">
+              <a:lnSpc>
+                <a:spcPct val="115000"/>
+              </a:lnSpc>
+              <a:spcBef>
+                <a:spcPts val="0"/>
+              </a:spcBef>
+              <a:spcAft>
+                <a:spcPts val="0"/>
+              </a:spcAft>
+              <a:buSzPts val="1200"/>
+              <a:buChar char="●"/>
+            </a:pPr>
+            <a:r>
+              <a:rPr lang="en"/>
+              <a:t>Visualize trends of velocity and acceleration in input and output data</a:t>
+            </a:r>
+            <a:endParaRPr/>
+          </a:p>
+          <a:p>
+            <a:pPr indent="-304800" lvl="0" marL="457200" marR="0" rtl="0" algn="l">
+              <a:lnSpc>
+                <a:spcPct val="115000"/>
+              </a:lnSpc>
+              <a:spcBef>
+                <a:spcPts val="0"/>
+              </a:spcBef>
+              <a:spcAft>
+                <a:spcPts val="0"/>
+              </a:spcAft>
+              <a:buSzPts val="1200"/>
+              <a:buChar char="●"/>
+            </a:pPr>
+            <a:r>
+              <a:rPr lang="en"/>
+              <a:t>Visualize relationship between input and output data</a:t>
+            </a:r>
+            <a:endParaRPr/>
+          </a:p>
+          <a:p>
+            <a:pPr indent="-304800" lvl="0" marL="457200" marR="0" rtl="0" algn="l">
+              <a:lnSpc>
+                <a:spcPct val="115000"/>
+              </a:lnSpc>
+              <a:spcBef>
+                <a:spcPts val="0"/>
+              </a:spcBef>
+              <a:spcAft>
+                <a:spcPts val="0"/>
+              </a:spcAft>
+              <a:buSzPts val="1200"/>
+              <a:buChar char="●"/>
+            </a:pPr>
+            <a:r>
+              <a:rPr lang="en"/>
+              <a:t>Findings: </a:t>
+            </a:r>
+            <a:endParaRPr/>
+          </a:p>
+          <a:p>
+            <a:pPr indent="-304800" lvl="1" marL="914400" marR="0" rtl="0" algn="l">
+              <a:lnSpc>
+                <a:spcPct val="115000"/>
+              </a:lnSpc>
+              <a:spcBef>
+                <a:spcPts val="0"/>
+              </a:spcBef>
+              <a:spcAft>
+                <a:spcPts val="0"/>
+              </a:spcAft>
+              <a:buSzPts val="1200"/>
+              <a:buChar char="○"/>
+            </a:pPr>
+            <a:r>
+              <a:rPr lang="en"/>
+              <a:t>most data points to linear movement (near-zero acceleration</a:t>
+            </a:r>
+            <a:endParaRPr/>
+          </a:p>
+          <a:p>
+            <a:pPr indent="-304800" lvl="1" marL="914400" marR="0" rtl="0" algn="l">
+              <a:lnSpc>
+                <a:spcPct val="115000"/>
+              </a:lnSpc>
+              <a:spcBef>
+                <a:spcPts val="0"/>
+              </a:spcBef>
+              <a:spcAft>
+                <a:spcPts val="0"/>
+              </a:spcAft>
+              <a:buSzPts val="1200"/>
+              <a:buChar char="○"/>
+            </a:pPr>
+            <a:r>
+              <a:rPr lang="en"/>
+              <a:t>input and output data has little difference (constant change)</a:t>
+            </a:r>
+            <a:endParaRPr/>
+          </a:p>
+        </p:txBody>
+      </p:sp>
+      <p:pic>
+        <p:nvPicPr>
+          <p:cNvPr id="122" name="Google Shape;122;p22"/>
+          <p:cNvPicPr preferRelativeResize="0"/>
+          <p:nvPr/>
+        </p:nvPicPr>
+        <p:blipFill>
+          <a:blip r:embed="rId3">
+            <a:alphaModFix/>
+          </a:blip>
+          <a:stretch>
+            <a:fillRect/>
+          </a:stretch>
+        </p:blipFill>
+        <p:spPr>
+          <a:xfrm>
+            <a:off x="4620900" y="2675638"/>
+            <a:ext cx="2250150" cy="1500100"/>
+          </a:xfrm>
+          <a:prstGeom prst="rect">
+            <a:avLst/>
+          </a:prstGeom>
+          <a:noFill/>
+          <a:ln>
+            <a:noFill/>
+          </a:ln>
+        </p:spPr>
+      </p:pic>
+      <p:pic>
+        <p:nvPicPr>
+          <p:cNvPr id="123" name="Google Shape;123;p22"/>
+          <p:cNvPicPr preferRelativeResize="0"/>
+          <p:nvPr/>
+        </p:nvPicPr>
+        <p:blipFill>
+          <a:blip r:embed="rId4">
+            <a:alphaModFix/>
+          </a:blip>
+          <a:stretch>
+            <a:fillRect/>
+          </a:stretch>
+        </p:blipFill>
+        <p:spPr>
+          <a:xfrm>
+            <a:off x="6809900" y="2647650"/>
+            <a:ext cx="2334112" cy="1556075"/>
+          </a:xfrm>
+          <a:prstGeom prst="rect">
+            <a:avLst/>
+          </a:prstGeom>
+          <a:noFill/>
+          <a:ln>
+            <a:noFill/>
+          </a:ln>
+        </p:spPr>
+      </p:pic>
+      <p:pic>
+        <p:nvPicPr>
+          <p:cNvPr id="124" name="Google Shape;124;p22"/>
+          <p:cNvPicPr preferRelativeResize="0"/>
+          <p:nvPr/>
+        </p:nvPicPr>
+        <p:blipFill>
+          <a:blip r:embed="rId5">
+            <a:alphaModFix/>
+          </a:blip>
+          <a:stretch>
+            <a:fillRect/>
+          </a:stretch>
+        </p:blipFill>
+        <p:spPr>
+          <a:xfrm>
+            <a:off x="6723700" y="110875"/>
+            <a:ext cx="2334100" cy="2334100"/>
+          </a:xfrm>
+          <a:prstGeom prst="rect">
+            <a:avLst/>
+          </a:prstGeom>
+          <a:noFill/>
+          <a:ln>
+            <a:noFill/>
+          </a:ln>
+        </p:spPr>
+      </p:pic>
+      <p:pic>
+        <p:nvPicPr>
+          <p:cNvPr id="125" name="Google Shape;125;p22"/>
+          <p:cNvPicPr preferRelativeResize="0"/>
+          <p:nvPr/>
+        </p:nvPicPr>
+        <p:blipFill>
+          <a:blip r:embed="rId6">
+            <a:alphaModFix/>
+          </a:blip>
+          <a:stretch>
+            <a:fillRect/>
+          </a:stretch>
+        </p:blipFill>
+        <p:spPr>
+          <a:xfrm>
+            <a:off x="4389600" y="110875"/>
+            <a:ext cx="2334100" cy="2334100"/>
+          </a:xfrm>
+          <a:prstGeom prst="rect">
+            <a:avLst/>
+          </a:prstGeom>
+          <a:noFill/>
+          <a:ln>
+            <a:noFill/>
+          </a:ln>
+        </p:spPr>
+      </p:pic>
     </p:spTree>
   </p:cSld>
   <p:clrMapOvr>
@@ -7018,7 +7614,7 @@
   <p:cSld>
     <p:spTree>
       <p:nvGrpSpPr>
-        <p:cNvPr id="118" name="Shape 118"/>
+        <p:cNvPr id="129" name="Shape 129"/>
         <p:cNvGrpSpPr/>
         <p:nvPr/>
       </p:nvGrpSpPr>
@@ -7032,7 +7628,7 @@
       </p:grpSpPr>
       <p:sp>
         <p:nvSpPr>
-          <p:cNvPr id="119" name="Google Shape;119;p23"/>
+          <p:cNvPr id="130" name="Google Shape;130;p23"/>
           <p:cNvSpPr txBox="1"/>
           <p:nvPr>
             <p:ph type="title"/>
@@ -7040,20 +7636,20 @@
         </p:nvSpPr>
         <p:spPr>
           <a:xfrm>
-            <a:off x="311700" y="555600"/>
-            <a:ext cx="2808000" cy="755700"/>
+            <a:off x="311700" y="2150850"/>
+            <a:ext cx="8520600" cy="841800"/>
           </a:xfrm>
           <a:prstGeom prst="rect">
             <a:avLst/>
           </a:prstGeom>
         </p:spPr>
         <p:txBody>
-          <a:bodyPr anchorCtr="0" anchor="b" bIns="91425" lIns="91425" spcFirstLastPara="1" rIns="91425" wrap="square" tIns="91425">
+          <a:bodyPr anchorCtr="0" anchor="ctr" bIns="91425" lIns="91425" spcFirstLastPara="1" rIns="91425" wrap="square" tIns="91425">
             <a:noAutofit/>
           </a:bodyPr>
           <a:lstStyle/>
           <a:p>
-            <a:pPr indent="0" lvl="0" marL="0" rtl="0" algn="l">
+            <a:pPr indent="0" lvl="0" marL="0" rtl="0" algn="ctr">
               <a:spcBef>
                 <a:spcPts val="0"/>
               </a:spcBef>
@@ -7064,47 +7660,7 @@
             </a:pPr>
             <a:r>
               <a:rPr lang="en"/>
-              <a:t>Experiment 1</a:t>
-            </a:r>
-            <a:endParaRPr/>
-          </a:p>
-        </p:txBody>
-      </p:sp>
-      <p:sp>
-        <p:nvSpPr>
-          <p:cNvPr id="120" name="Google Shape;120;p23"/>
-          <p:cNvSpPr txBox="1"/>
-          <p:nvPr>
-            <p:ph idx="1" type="body"/>
-          </p:nvPr>
-        </p:nvSpPr>
-        <p:spPr>
-          <a:xfrm>
-            <a:off x="311700" y="1389600"/>
-            <a:ext cx="2808000" cy="3179400"/>
-          </a:xfrm>
-          <a:prstGeom prst="rect">
-            <a:avLst/>
-          </a:prstGeom>
-        </p:spPr>
-        <p:txBody>
-          <a:bodyPr anchorCtr="0" anchor="t" bIns="91425" lIns="91425" spcFirstLastPara="1" rIns="91425" wrap="square" tIns="91425">
-            <a:noAutofit/>
-          </a:bodyPr>
-          <a:lstStyle/>
-          <a:p>
-            <a:pPr indent="0" lvl="0" marL="0" rtl="0" algn="l">
-              <a:spcBef>
-                <a:spcPts val="0"/>
-              </a:spcBef>
-              <a:spcAft>
-                <a:spcPts val="1600"/>
-              </a:spcAft>
-              <a:buNone/>
-            </a:pPr>
-            <a:r>
-              <a:rPr lang="en"/>
-              <a:t>Lorem ipsum dolor sit amet, consectetur adipiscing elit, sed do eiusmod tempor incididunt ut labore et dolore magna aliqua</a:t>
+              <a:t>Experiments</a:t>
             </a:r>
             <a:endParaRPr/>
           </a:p>
@@ -7123,7 +7679,7 @@
   <p:cSld>
     <p:spTree>
       <p:nvGrpSpPr>
-        <p:cNvPr id="124" name="Shape 124"/>
+        <p:cNvPr id="134" name="Shape 134"/>
         <p:cNvGrpSpPr/>
         <p:nvPr/>
       </p:nvGrpSpPr>
@@ -7137,7 +7693,7 @@
       </p:grpSpPr>
       <p:sp>
         <p:nvSpPr>
-          <p:cNvPr id="125" name="Google Shape;125;p24"/>
+          <p:cNvPr id="135" name="Google Shape;135;p24"/>
           <p:cNvSpPr txBox="1"/>
           <p:nvPr>
             <p:ph type="title"/>
@@ -7169,7 +7725,7 @@
             </a:pPr>
             <a:r>
               <a:rPr lang="en"/>
-              <a:t>Experiment 2</a:t>
+              <a:t>Experiment 1</a:t>
             </a:r>
             <a:endParaRPr/>
           </a:p>
@@ -7177,7 +7733,7 @@
       </p:sp>
       <p:sp>
         <p:nvSpPr>
-          <p:cNvPr id="126" name="Google Shape;126;p24"/>
+          <p:cNvPr id="136" name="Google Shape;136;p24"/>
           <p:cNvSpPr txBox="1"/>
           <p:nvPr>
             <p:ph idx="1" type="body"/>
@@ -7186,7 +7742,7 @@
         <p:spPr>
           <a:xfrm>
             <a:off x="311700" y="1389600"/>
-            <a:ext cx="2808000" cy="3179400"/>
+            <a:ext cx="5035800" cy="3179400"/>
           </a:xfrm>
           <a:prstGeom prst="rect">
             <a:avLst/>
@@ -7198,23 +7754,147 @@
           </a:bodyPr>
           <a:lstStyle/>
           <a:p>
-            <a:pPr indent="0" lvl="0" marL="0" rtl="0" algn="l">
-              <a:spcBef>
-                <a:spcPts val="0"/>
-              </a:spcBef>
-              <a:spcAft>
-                <a:spcPts val="1600"/>
-              </a:spcAft>
-              <a:buNone/>
+            <a:pPr indent="-304800" lvl="0" marL="457200" marR="0" rtl="0" algn="l">
+              <a:lnSpc>
+                <a:spcPct val="115000"/>
+              </a:lnSpc>
+              <a:spcBef>
+                <a:spcPts val="0"/>
+              </a:spcBef>
+              <a:spcAft>
+                <a:spcPts val="0"/>
+              </a:spcAft>
+              <a:buSzPts val="1200"/>
+              <a:buChar char="●"/>
             </a:pPr>
             <a:r>
               <a:rPr lang="en"/>
-              <a:t>Lorem ipsum dolor sit amet, consectetur adipiscing elit, sed do eiusmod tempor incididunt ut labore et dolore magna aliqua</a:t>
+              <a:t>Encoder/De</a:t>
+            </a:r>
+            <a:r>
+              <a:rPr lang="en"/>
+              <a:t>coder Model: inspired by discussion 7 architecture</a:t>
+            </a:r>
+            <a:endParaRPr/>
+          </a:p>
+          <a:p>
+            <a:pPr indent="-304800" lvl="0" marL="457200" marR="0" rtl="0" algn="l">
+              <a:lnSpc>
+                <a:spcPct val="115000"/>
+              </a:lnSpc>
+              <a:spcBef>
+                <a:spcPts val="0"/>
+              </a:spcBef>
+              <a:spcAft>
+                <a:spcPts val="0"/>
+              </a:spcAft>
+              <a:buSzPts val="1200"/>
+              <a:buChar char="●"/>
+            </a:pPr>
+            <a:r>
+              <a:rPr lang="en"/>
+              <a:t>Parameters:</a:t>
+            </a:r>
+            <a:endParaRPr/>
+          </a:p>
+          <a:p>
+            <a:pPr indent="-304800" lvl="1" marL="914400" marR="0" rtl="0" algn="l">
+              <a:lnSpc>
+                <a:spcPct val="115000"/>
+              </a:lnSpc>
+              <a:spcBef>
+                <a:spcPts val="0"/>
+              </a:spcBef>
+              <a:spcAft>
+                <a:spcPts val="0"/>
+              </a:spcAft>
+              <a:buSzPts val="1200"/>
+              <a:buChar char="○"/>
+            </a:pPr>
+            <a:r>
+              <a:rPr lang="en"/>
+              <a:t>Encoder - 4 hidden layers, Decoder - 4 hidden layers, Batch-size - 4, lr - 1e-3</a:t>
+            </a:r>
+            <a:endParaRPr/>
+          </a:p>
+          <a:p>
+            <a:pPr indent="-304800" lvl="0" marL="457200" marR="0" rtl="0" algn="l">
+              <a:lnSpc>
+                <a:spcPct val="115000"/>
+              </a:lnSpc>
+              <a:spcBef>
+                <a:spcPts val="0"/>
+              </a:spcBef>
+              <a:spcAft>
+                <a:spcPts val="0"/>
+              </a:spcAft>
+              <a:buSzPts val="1200"/>
+              <a:buChar char="●"/>
+            </a:pPr>
+            <a:r>
+              <a:rPr lang="en"/>
+              <a:t>Findings: relatively inaccurate (test loss ~1000)</a:t>
             </a:r>
             <a:endParaRPr/>
           </a:p>
         </p:txBody>
       </p:sp>
+      <p:pic>
+        <p:nvPicPr>
+          <p:cNvPr id="137" name="Google Shape;137;p24"/>
+          <p:cNvPicPr preferRelativeResize="0"/>
+          <p:nvPr/>
+        </p:nvPicPr>
+        <p:blipFill>
+          <a:blip r:embed="rId3">
+            <a:alphaModFix/>
+          </a:blip>
+          <a:stretch>
+            <a:fillRect/>
+          </a:stretch>
+        </p:blipFill>
+        <p:spPr>
+          <a:xfrm>
+            <a:off x="5667475" y="1921050"/>
+            <a:ext cx="2867025" cy="2647950"/>
+          </a:xfrm>
+          <a:prstGeom prst="rect">
+            <a:avLst/>
+          </a:prstGeom>
+          <a:noFill/>
+          <a:ln>
+            <a:noFill/>
+          </a:ln>
+        </p:spPr>
+      </p:pic>
+      <p:pic>
+        <p:nvPicPr>
+          <p:cNvPr id="138" name="Google Shape;138;p24"/>
+          <p:cNvPicPr preferRelativeResize="0"/>
+          <p:nvPr/>
+        </p:nvPicPr>
+        <p:blipFill>
+          <a:blip r:embed="rId4">
+            <a:alphaModFix/>
+          </a:blip>
+          <a:stretch>
+            <a:fillRect/>
+          </a:stretch>
+        </p:blipFill>
+        <p:spPr>
+          <a:xfrm>
+            <a:off x="1756188" y="2669975"/>
+            <a:ext cx="2424375" cy="1616250"/>
+          </a:xfrm>
+          <a:prstGeom prst="rect">
+            <a:avLst/>
+          </a:prstGeom>
+          <a:noFill/>
+          <a:ln>
+            <a:noFill/>
+          </a:ln>
+        </p:spPr>
+      </p:pic>
     </p:spTree>
   </p:cSld>
   <p:clrMapOvr>
@@ -7228,7 +7908,7 @@
   <p:cSld>
     <p:spTree>
       <p:nvGrpSpPr>
-        <p:cNvPr id="130" name="Shape 130"/>
+        <p:cNvPr id="142" name="Shape 142"/>
         <p:cNvGrpSpPr/>
         <p:nvPr/>
       </p:nvGrpSpPr>
@@ -7242,7 +7922,7 @@
       </p:grpSpPr>
       <p:sp>
         <p:nvSpPr>
-          <p:cNvPr id="131" name="Google Shape;131;p25"/>
+          <p:cNvPr id="143" name="Google Shape;143;p25"/>
           <p:cNvSpPr txBox="1"/>
           <p:nvPr>
             <p:ph type="title"/>
@@ -7250,20 +7930,20 @@
         </p:nvSpPr>
         <p:spPr>
           <a:xfrm>
-            <a:off x="311700" y="2150850"/>
-            <a:ext cx="8520600" cy="841800"/>
+            <a:off x="311700" y="555600"/>
+            <a:ext cx="2808000" cy="755700"/>
           </a:xfrm>
           <a:prstGeom prst="rect">
             <a:avLst/>
           </a:prstGeom>
         </p:spPr>
         <p:txBody>
-          <a:bodyPr anchorCtr="0" anchor="ctr" bIns="91425" lIns="91425" spcFirstLastPara="1" rIns="91425" wrap="square" tIns="91425">
+          <a:bodyPr anchorCtr="0" anchor="b" bIns="91425" lIns="91425" spcFirstLastPara="1" rIns="91425" wrap="square" tIns="91425">
             <a:noAutofit/>
           </a:bodyPr>
           <a:lstStyle/>
           <a:p>
-            <a:pPr indent="0" lvl="0" marL="0" rtl="0" algn="ctr">
+            <a:pPr indent="0" lvl="0" marL="0" rtl="0" algn="l">
               <a:spcBef>
                 <a:spcPts val="0"/>
               </a:spcBef>
@@ -7274,7 +7954,159 @@
             </a:pPr>
             <a:r>
               <a:rPr lang="en"/>
-              <a:t>Discussion</a:t>
+              <a:t>Experiment 2</a:t>
+            </a:r>
+            <a:endParaRPr/>
+          </a:p>
+        </p:txBody>
+      </p:sp>
+      <p:sp>
+        <p:nvSpPr>
+          <p:cNvPr id="144" name="Google Shape;144;p25"/>
+          <p:cNvSpPr txBox="1"/>
+          <p:nvPr>
+            <p:ph idx="1" type="body"/>
+          </p:nvPr>
+        </p:nvSpPr>
+        <p:spPr>
+          <a:xfrm>
+            <a:off x="464100" y="1542000"/>
+            <a:ext cx="5035800" cy="3179400"/>
+          </a:xfrm>
+          <a:prstGeom prst="rect">
+            <a:avLst/>
+          </a:prstGeom>
+        </p:spPr>
+        <p:txBody>
+          <a:bodyPr anchorCtr="0" anchor="t" bIns="91425" lIns="91425" spcFirstLastPara="1" rIns="91425" wrap="square" tIns="91425">
+            <a:noAutofit/>
+          </a:bodyPr>
+          <a:lstStyle/>
+          <a:p>
+            <a:pPr indent="-304800" lvl="0" marL="457200" marR="0" rtl="0" algn="l">
+              <a:lnSpc>
+                <a:spcPct val="115000"/>
+              </a:lnSpc>
+              <a:spcBef>
+                <a:spcPts val="0"/>
+              </a:spcBef>
+              <a:spcAft>
+                <a:spcPts val="0"/>
+              </a:spcAft>
+              <a:buSzPts val="1200"/>
+              <a:buChar char="●"/>
+            </a:pPr>
+            <a:r>
+              <a:rPr lang="en"/>
+              <a:t>Median vs Mean</a:t>
+            </a:r>
+            <a:endParaRPr/>
+          </a:p>
+          <a:p>
+            <a:pPr indent="-304800" lvl="1" marL="914400" marR="0" rtl="0" algn="l">
+              <a:lnSpc>
+                <a:spcPct val="115000"/>
+              </a:lnSpc>
+              <a:spcBef>
+                <a:spcPts val="0"/>
+              </a:spcBef>
+              <a:spcAft>
+                <a:spcPts val="0"/>
+              </a:spcAft>
+              <a:buSzPts val="1200"/>
+              <a:buChar char="○"/>
+            </a:pPr>
+            <a:r>
+              <a:rPr lang="en"/>
+              <a:t>Use same velocity model with acceleration for both tests, just compare median and mean selection</a:t>
+            </a:r>
+            <a:endParaRPr/>
+          </a:p>
+          <a:p>
+            <a:pPr indent="-304800" lvl="0" marL="457200" marR="0" rtl="0" algn="l">
+              <a:lnSpc>
+                <a:spcPct val="115000"/>
+              </a:lnSpc>
+              <a:spcBef>
+                <a:spcPts val="0"/>
+              </a:spcBef>
+              <a:spcAft>
+                <a:spcPts val="0"/>
+              </a:spcAft>
+              <a:buSzPts val="1200"/>
+              <a:buChar char="●"/>
+            </a:pPr>
+            <a:r>
+              <a:rPr lang="en"/>
+              <a:t>Model description: calculate the median/mean velocity and acceleration for the 50 input </a:t>
+            </a:r>
+            <a:r>
+              <a:rPr lang="en"/>
+              <a:t>data points</a:t>
+            </a:r>
+            <a:r>
+              <a:rPr lang="en"/>
+              <a:t>, and use this value to interpolate the next 60 future output data points</a:t>
+            </a:r>
+            <a:endParaRPr/>
+          </a:p>
+          <a:p>
+            <a:pPr indent="-304800" lvl="0" marL="457200" marR="0" rtl="0" algn="l">
+              <a:lnSpc>
+                <a:spcPct val="115000"/>
+              </a:lnSpc>
+              <a:spcBef>
+                <a:spcPts val="0"/>
+              </a:spcBef>
+              <a:spcAft>
+                <a:spcPts val="0"/>
+              </a:spcAft>
+              <a:buSzPts val="1200"/>
+              <a:buChar char="●"/>
+            </a:pPr>
+            <a:r>
+              <a:rPr lang="en"/>
+              <a:t>Findings:</a:t>
+            </a:r>
+            <a:endParaRPr/>
+          </a:p>
+          <a:p>
+            <a:pPr indent="-304800" lvl="1" marL="914400" marR="0" rtl="0" algn="l">
+              <a:lnSpc>
+                <a:spcPct val="115000"/>
+              </a:lnSpc>
+              <a:spcBef>
+                <a:spcPts val="0"/>
+              </a:spcBef>
+              <a:spcAft>
+                <a:spcPts val="0"/>
+              </a:spcAft>
+              <a:buSzPts val="1200"/>
+              <a:buChar char="○"/>
+            </a:pPr>
+            <a:r>
+              <a:rPr lang="en"/>
+              <a:t>Median performs better (~70 vs ~50 loss)</a:t>
+            </a:r>
+            <a:endParaRPr/>
+          </a:p>
+          <a:p>
+            <a:pPr indent="-304800" lvl="1" marL="914400" marR="0" rtl="0" algn="l">
+              <a:lnSpc>
+                <a:spcPct val="115000"/>
+              </a:lnSpc>
+              <a:spcBef>
+                <a:spcPts val="0"/>
+              </a:spcBef>
+              <a:spcAft>
+                <a:spcPts val="0"/>
+              </a:spcAft>
+              <a:buSzPts val="1200"/>
+              <a:buChar char="○"/>
+            </a:pPr>
+            <a:r>
+              <a:rPr lang="en"/>
+              <a:t>Suggests outliers greatly affect mean model</a:t>
             </a:r>
             <a:endParaRPr/>
           </a:p>
@@ -7293,7 +8125,7 @@
   <p:cSld>
     <p:spTree>
       <p:nvGrpSpPr>
-        <p:cNvPr id="135" name="Shape 135"/>
+        <p:cNvPr id="148" name="Shape 148"/>
         <p:cNvGrpSpPr/>
         <p:nvPr/>
       </p:nvGrpSpPr>
@@ -7307,7 +8139,7 @@
       </p:grpSpPr>
       <p:sp>
         <p:nvSpPr>
-          <p:cNvPr id="136" name="Google Shape;136;p26"/>
+          <p:cNvPr id="149" name="Google Shape;149;p26"/>
           <p:cNvSpPr txBox="1"/>
           <p:nvPr>
             <p:ph type="title"/>
@@ -7316,7 +8148,7 @@
         <p:spPr>
           <a:xfrm>
             <a:off x="311700" y="555600"/>
-            <a:ext cx="3714300" cy="755700"/>
+            <a:ext cx="2808000" cy="755700"/>
           </a:xfrm>
           <a:prstGeom prst="rect">
             <a:avLst/>
@@ -7339,7 +8171,7 @@
             </a:pPr>
             <a:r>
               <a:rPr lang="en"/>
-              <a:t>What have you learned</a:t>
+              <a:t>Experiment 3</a:t>
             </a:r>
             <a:endParaRPr/>
           </a:p>
@@ -7347,7 +8179,7 @@
       </p:sp>
       <p:sp>
         <p:nvSpPr>
-          <p:cNvPr id="137" name="Google Shape;137;p26"/>
+          <p:cNvPr id="150" name="Google Shape;150;p26"/>
           <p:cNvSpPr txBox="1"/>
           <p:nvPr>
             <p:ph idx="1" type="body"/>
@@ -7356,7 +8188,7 @@
         <p:spPr>
           <a:xfrm>
             <a:off x="311700" y="1389600"/>
-            <a:ext cx="2808000" cy="3179400"/>
+            <a:ext cx="5035800" cy="3179400"/>
           </a:xfrm>
           <a:prstGeom prst="rect">
             <a:avLst/>
@@ -7368,38 +8200,159 @@
           </a:bodyPr>
           <a:lstStyle/>
           <a:p>
-            <a:pPr indent="0" lvl="0" marL="0" rtl="0" algn="l">
-              <a:spcBef>
-                <a:spcPts val="0"/>
-              </a:spcBef>
-              <a:spcAft>
-                <a:spcPts val="0"/>
-              </a:spcAft>
-              <a:buNone/>
+            <a:pPr indent="-304800" lvl="0" marL="457200" marR="0" rtl="0" algn="l">
+              <a:lnSpc>
+                <a:spcPct val="115000"/>
+              </a:lnSpc>
+              <a:spcBef>
+                <a:spcPts val="0"/>
+              </a:spcBef>
+              <a:spcAft>
+                <a:spcPts val="0"/>
+              </a:spcAft>
+              <a:buSzPts val="1200"/>
+              <a:buChar char="●"/>
             </a:pPr>
             <a:r>
               <a:rPr lang="en"/>
-              <a:t>Lorem ipsum dolor sit amet, consectetur adipiscing elit, sed do eiusmod tempor incididunt ut labore et dolore magna aliqua</a:t>
-            </a:r>
-            <a:endParaRPr/>
-          </a:p>
-          <a:p>
-            <a:pPr indent="0" lvl="0" marL="0" rtl="0" algn="l">
-              <a:spcBef>
-                <a:spcPts val="0"/>
-              </a:spcBef>
-              <a:spcAft>
-                <a:spcPts val="0"/>
-              </a:spcAft>
-              <a:buNone/>
-            </a:pPr>
-            <a:r>
-              <a:t/>
-            </a:r>
-            <a:endParaRPr sz="1400"/>
+              <a:t>Linear Regression:</a:t>
+            </a:r>
+            <a:endParaRPr/>
+          </a:p>
+          <a:p>
+            <a:pPr indent="-304800" lvl="1" marL="914400" marR="0" rtl="0" algn="l">
+              <a:lnSpc>
+                <a:spcPct val="115000"/>
+              </a:lnSpc>
+              <a:spcBef>
+                <a:spcPts val="0"/>
+              </a:spcBef>
+              <a:spcAft>
+                <a:spcPts val="0"/>
+              </a:spcAft>
+              <a:buSzPts val="1200"/>
+              <a:buChar char="○"/>
+            </a:pPr>
+            <a:r>
+              <a:rPr lang="en"/>
+              <a:t>u</a:t>
+            </a:r>
+            <a:r>
+              <a:rPr lang="en"/>
+              <a:t>se 60 separate models total in the linear regression implementation, where each model is prediction the 51-110th timestamps respectively</a:t>
+            </a:r>
+            <a:endParaRPr/>
+          </a:p>
+          <a:p>
+            <a:pPr indent="-304800" lvl="0" marL="457200" marR="0" rtl="0" algn="l">
+              <a:lnSpc>
+                <a:spcPct val="115000"/>
+              </a:lnSpc>
+              <a:spcBef>
+                <a:spcPts val="0"/>
+              </a:spcBef>
+              <a:spcAft>
+                <a:spcPts val="0"/>
+              </a:spcAft>
+              <a:buSzPts val="1200"/>
+              <a:buChar char="●"/>
+            </a:pPr>
+            <a:r>
+              <a:rPr lang="en"/>
+              <a:t>Findings: very accurate (test loss ~20)</a:t>
+            </a:r>
+            <a:endParaRPr/>
+          </a:p>
+          <a:p>
+            <a:pPr indent="-304800" lvl="1" marL="914400" marR="0" rtl="0" algn="l">
+              <a:lnSpc>
+                <a:spcPct val="115000"/>
+              </a:lnSpc>
+              <a:spcBef>
+                <a:spcPts val="0"/>
+              </a:spcBef>
+              <a:spcAft>
+                <a:spcPts val="0"/>
+              </a:spcAft>
+              <a:buSzPts val="1200"/>
+              <a:buChar char="○"/>
+            </a:pPr>
+            <a:r>
+              <a:rPr lang="en"/>
+              <a:t>simple is better</a:t>
+            </a:r>
+            <a:endParaRPr/>
+          </a:p>
+          <a:p>
+            <a:pPr indent="-304800" lvl="1" marL="914400" marR="0" rtl="0" algn="l">
+              <a:lnSpc>
+                <a:spcPct val="115000"/>
+              </a:lnSpc>
+              <a:spcBef>
+                <a:spcPts val="0"/>
+              </a:spcBef>
+              <a:spcAft>
+                <a:spcPts val="0"/>
+              </a:spcAft>
+              <a:buSzPts val="1200"/>
+              <a:buChar char="○"/>
+            </a:pPr>
+            <a:r>
+              <a:rPr lang="en"/>
+              <a:t>see image to right, performs weakly against data that has non-linear trends</a:t>
+            </a:r>
+            <a:endParaRPr/>
+          </a:p>
+          <a:p>
+            <a:pPr indent="-304800" lvl="1" marL="914400" marR="0" rtl="0" algn="l">
+              <a:lnSpc>
+                <a:spcPct val="115000"/>
+              </a:lnSpc>
+              <a:spcBef>
+                <a:spcPts val="0"/>
+              </a:spcBef>
+              <a:spcAft>
+                <a:spcPts val="0"/>
+              </a:spcAft>
+              <a:buSzPts val="1200"/>
+              <a:buChar char="○"/>
+            </a:pPr>
+            <a:r>
+              <a:rPr lang="en"/>
+              <a:t>luckily, data visualization shows that most data is linear</a:t>
+            </a:r>
+            <a:endParaRPr/>
           </a:p>
         </p:txBody>
       </p:sp>
+      <p:pic>
+        <p:nvPicPr>
+          <p:cNvPr id="151" name="Google Shape;151;p26"/>
+          <p:cNvPicPr preferRelativeResize="0"/>
+          <p:nvPr/>
+        </p:nvPicPr>
+        <p:blipFill>
+          <a:blip r:embed="rId3">
+            <a:alphaModFix/>
+          </a:blip>
+          <a:stretch>
+            <a:fillRect/>
+          </a:stretch>
+        </p:blipFill>
+        <p:spPr>
+          <a:xfrm>
+            <a:off x="5692000" y="1247775"/>
+            <a:ext cx="2781300" cy="2647950"/>
+          </a:xfrm>
+          <a:prstGeom prst="rect">
+            <a:avLst/>
+          </a:prstGeom>
+          <a:noFill/>
+          <a:ln>
+            <a:noFill/>
+          </a:ln>
+        </p:spPr>
+      </p:pic>
     </p:spTree>
   </p:cSld>
   <p:clrMapOvr>
@@ -7413,7 +8366,7 @@
   <p:cSld>
     <p:spTree>
       <p:nvGrpSpPr>
-        <p:cNvPr id="141" name="Shape 141"/>
+        <p:cNvPr id="155" name="Shape 155"/>
         <p:cNvGrpSpPr/>
         <p:nvPr/>
       </p:nvGrpSpPr>
@@ -7427,7 +8380,7 @@
       </p:grpSpPr>
       <p:sp>
         <p:nvSpPr>
-          <p:cNvPr id="142" name="Google Shape;142;p27"/>
+          <p:cNvPr id="156" name="Google Shape;156;p27"/>
           <p:cNvSpPr txBox="1"/>
           <p:nvPr>
             <p:ph type="title"/>
@@ -7436,7 +8389,7 @@
         <p:spPr>
           <a:xfrm>
             <a:off x="311700" y="555600"/>
-            <a:ext cx="3714300" cy="755700"/>
+            <a:ext cx="3087300" cy="755700"/>
           </a:xfrm>
           <a:prstGeom prst="rect">
             <a:avLst/>
@@ -7459,7 +8412,165 @@
             </a:pPr>
             <a:r>
               <a:rPr lang="en"/>
-              <a:t>Future Work</a:t>
+              <a:t>Summary of Results</a:t>
+            </a:r>
+            <a:endParaRPr/>
+          </a:p>
+        </p:txBody>
+      </p:sp>
+      <p:pic>
+        <p:nvPicPr>
+          <p:cNvPr id="157" name="Google Shape;157;p27"/>
+          <p:cNvPicPr preferRelativeResize="0"/>
+          <p:nvPr/>
+        </p:nvPicPr>
+        <p:blipFill>
+          <a:blip r:embed="rId3">
+            <a:alphaModFix/>
+          </a:blip>
+          <a:stretch>
+            <a:fillRect/>
+          </a:stretch>
+        </p:blipFill>
+        <p:spPr>
+          <a:xfrm>
+            <a:off x="371475" y="1493650"/>
+            <a:ext cx="8401050" cy="2400300"/>
+          </a:xfrm>
+          <a:prstGeom prst="rect">
+            <a:avLst/>
+          </a:prstGeom>
+          <a:noFill/>
+          <a:ln>
+            <a:noFill/>
+          </a:ln>
+        </p:spPr>
+      </p:pic>
+    </p:spTree>
+  </p:cSld>
+  <p:clrMapOvr>
+    <a:masterClrMapping/>
+  </p:clrMapOvr>
+</p:sld>
+</file>
+
+<file path=ppt/slides/slide16.xml><?xml version="1.0" encoding="utf-8"?>
+<p:sld xmlns:a="http://schemas.openxmlformats.org/drawingml/2006/main" xmlns:r="http://schemas.openxmlformats.org/officeDocument/2006/relationships" xmlns:mc="http://schemas.openxmlformats.org/markup-compatibility/2006" xmlns:mv="urn:schemas-microsoft-com:mac:vml" xmlns:p="http://schemas.openxmlformats.org/presentationml/2006/main" xmlns:c="http://schemas.openxmlformats.org/drawingml/2006/chart" xmlns:dgm="http://schemas.openxmlformats.org/drawingml/2006/diagram" xmlns:o="urn:schemas-microsoft-com:office:office" xmlns:v="urn:schemas-microsoft-com:vml" xmlns:pvml="urn:schemas-microsoft-com:office:powerpoint" xmlns:com="http://schemas.openxmlformats.org/drawingml/2006/compatibility" xmlns:p14="http://schemas.microsoft.com/office/powerpoint/2010/main" xmlns:p15="http://schemas.microsoft.com/office/powerpoint/2012/main" xmlns:ahyp="http://schemas.microsoft.com/office/drawing/2018/hyperlinkcolor">
+  <p:cSld>
+    <p:spTree>
+      <p:nvGrpSpPr>
+        <p:cNvPr id="161" name="Shape 161"/>
+        <p:cNvGrpSpPr/>
+        <p:nvPr/>
+      </p:nvGrpSpPr>
+      <p:grpSpPr>
+        <a:xfrm>
+          <a:off x="0" y="0"/>
+          <a:ext cx="0" cy="0"/>
+          <a:chOff x="0" y="0"/>
+          <a:chExt cx="0" cy="0"/>
+        </a:xfrm>
+      </p:grpSpPr>
+      <p:sp>
+        <p:nvSpPr>
+          <p:cNvPr id="162" name="Google Shape;162;p28"/>
+          <p:cNvSpPr txBox="1"/>
+          <p:nvPr>
+            <p:ph type="title"/>
+          </p:nvPr>
+        </p:nvSpPr>
+        <p:spPr>
+          <a:xfrm>
+            <a:off x="311700" y="2150850"/>
+            <a:ext cx="8520600" cy="841800"/>
+          </a:xfrm>
+          <a:prstGeom prst="rect">
+            <a:avLst/>
+          </a:prstGeom>
+        </p:spPr>
+        <p:txBody>
+          <a:bodyPr anchorCtr="0" anchor="ctr" bIns="91425" lIns="91425" spcFirstLastPara="1" rIns="91425" wrap="square" tIns="91425">
+            <a:noAutofit/>
+          </a:bodyPr>
+          <a:lstStyle/>
+          <a:p>
+            <a:pPr indent="0" lvl="0" marL="0" rtl="0" algn="ctr">
+              <a:spcBef>
+                <a:spcPts val="0"/>
+              </a:spcBef>
+              <a:spcAft>
+                <a:spcPts val="0"/>
+              </a:spcAft>
+              <a:buNone/>
+            </a:pPr>
+            <a:r>
+              <a:rPr lang="en"/>
+              <a:t>Discussion</a:t>
+            </a:r>
+            <a:endParaRPr/>
+          </a:p>
+        </p:txBody>
+      </p:sp>
+    </p:spTree>
+  </p:cSld>
+  <p:clrMapOvr>
+    <a:masterClrMapping/>
+  </p:clrMapOvr>
+</p:sld>
+</file>
+
+<file path=ppt/slides/slide17.xml><?xml version="1.0" encoding="utf-8"?>
+<p:sld xmlns:a="http://schemas.openxmlformats.org/drawingml/2006/main" xmlns:r="http://schemas.openxmlformats.org/officeDocument/2006/relationships" xmlns:mc="http://schemas.openxmlformats.org/markup-compatibility/2006" xmlns:mv="urn:schemas-microsoft-com:mac:vml" xmlns:p="http://schemas.openxmlformats.org/presentationml/2006/main" xmlns:c="http://schemas.openxmlformats.org/drawingml/2006/chart" xmlns:dgm="http://schemas.openxmlformats.org/drawingml/2006/diagram" xmlns:o="urn:schemas-microsoft-com:office:office" xmlns:v="urn:schemas-microsoft-com:vml" xmlns:pvml="urn:schemas-microsoft-com:office:powerpoint" xmlns:com="http://schemas.openxmlformats.org/drawingml/2006/compatibility" xmlns:p14="http://schemas.microsoft.com/office/powerpoint/2010/main" xmlns:p15="http://schemas.microsoft.com/office/powerpoint/2012/main" xmlns:ahyp="http://schemas.microsoft.com/office/drawing/2018/hyperlinkcolor">
+  <p:cSld>
+    <p:spTree>
+      <p:nvGrpSpPr>
+        <p:cNvPr id="166" name="Shape 166"/>
+        <p:cNvGrpSpPr/>
+        <p:nvPr/>
+      </p:nvGrpSpPr>
+      <p:grpSpPr>
+        <a:xfrm>
+          <a:off x="0" y="0"/>
+          <a:ext cx="0" cy="0"/>
+          <a:chOff x="0" y="0"/>
+          <a:chExt cx="0" cy="0"/>
+        </a:xfrm>
+      </p:grpSpPr>
+      <p:sp>
+        <p:nvSpPr>
+          <p:cNvPr id="167" name="Google Shape;167;p29"/>
+          <p:cNvSpPr txBox="1"/>
+          <p:nvPr>
+            <p:ph type="title"/>
+          </p:nvPr>
+        </p:nvSpPr>
+        <p:spPr>
+          <a:xfrm>
+            <a:off x="311700" y="555600"/>
+            <a:ext cx="3714300" cy="755700"/>
+          </a:xfrm>
+          <a:prstGeom prst="rect">
+            <a:avLst/>
+          </a:prstGeom>
+        </p:spPr>
+        <p:txBody>
+          <a:bodyPr anchorCtr="0" anchor="b" bIns="91425" lIns="91425" spcFirstLastPara="1" rIns="91425" wrap="square" tIns="91425">
+            <a:noAutofit/>
+          </a:bodyPr>
+          <a:lstStyle/>
+          <a:p>
+            <a:pPr indent="0" lvl="0" marL="0" rtl="0" algn="l">
+              <a:spcBef>
+                <a:spcPts val="0"/>
+              </a:spcBef>
+              <a:spcAft>
+                <a:spcPts val="0"/>
+              </a:spcAft>
+              <a:buNone/>
+            </a:pPr>
+            <a:r>
+              <a:rPr lang="en"/>
+              <a:t>What have you learned</a:t>
             </a:r>
             <a:endParaRPr/>
           </a:p>
@@ -7467,7 +8578,7 @@
       </p:sp>
       <p:sp>
         <p:nvSpPr>
-          <p:cNvPr id="143" name="Google Shape;143;p27"/>
+          <p:cNvPr id="168" name="Google Shape;168;p29"/>
           <p:cNvSpPr txBox="1"/>
           <p:nvPr>
             <p:ph idx="1" type="body"/>
@@ -7476,7 +8587,7 @@
         <p:spPr>
           <a:xfrm>
             <a:off x="311700" y="1389600"/>
-            <a:ext cx="2808000" cy="3179400"/>
+            <a:ext cx="5543100" cy="3179400"/>
           </a:xfrm>
           <a:prstGeom prst="rect">
             <a:avLst/>
@@ -7488,6 +8599,215 @@
           </a:bodyPr>
           <a:lstStyle/>
           <a:p>
+            <a:pPr indent="-304800" lvl="0" marL="457200" marR="0" rtl="0" algn="l">
+              <a:lnSpc>
+                <a:spcPct val="115000"/>
+              </a:lnSpc>
+              <a:spcBef>
+                <a:spcPts val="0"/>
+              </a:spcBef>
+              <a:spcAft>
+                <a:spcPts val="0"/>
+              </a:spcAft>
+              <a:buSzPts val="1200"/>
+              <a:buChar char="●"/>
+            </a:pPr>
+            <a:r>
+              <a:rPr lang="en"/>
+              <a:t>Handling outliers is extremely effective and important for an accurate model based on this data, as shown by the median/mean tests</a:t>
+            </a:r>
+            <a:endParaRPr/>
+          </a:p>
+          <a:p>
+            <a:pPr indent="-304800" lvl="0" marL="457200" marR="0" rtl="0" algn="l">
+              <a:lnSpc>
+                <a:spcPct val="115000"/>
+              </a:lnSpc>
+              <a:spcBef>
+                <a:spcPts val="0"/>
+              </a:spcBef>
+              <a:spcAft>
+                <a:spcPts val="0"/>
+              </a:spcAft>
+              <a:buSzPts val="1200"/>
+              <a:buChar char="●"/>
+            </a:pPr>
+            <a:r>
+              <a:rPr lang="en"/>
+              <a:t>Data visualization was most helpful in the early stages of the project</a:t>
+            </a:r>
+            <a:endParaRPr/>
+          </a:p>
+          <a:p>
+            <a:pPr indent="-304800" lvl="1" marL="914400" marR="0" rtl="0" algn="l">
+              <a:lnSpc>
+                <a:spcPct val="115000"/>
+              </a:lnSpc>
+              <a:spcBef>
+                <a:spcPts val="0"/>
+              </a:spcBef>
+              <a:spcAft>
+                <a:spcPts val="0"/>
+              </a:spcAft>
+              <a:buSzPts val="1200"/>
+              <a:buChar char="○"/>
+            </a:pPr>
+            <a:r>
+              <a:rPr lang="en"/>
+              <a:t>Most agents moved in a straight line indicated that a linear model and a simple model would work well</a:t>
+            </a:r>
+            <a:endParaRPr/>
+          </a:p>
+          <a:p>
+            <a:pPr indent="-304800" lvl="0" marL="457200" marR="0" rtl="0" algn="l">
+              <a:lnSpc>
+                <a:spcPct val="115000"/>
+              </a:lnSpc>
+              <a:spcBef>
+                <a:spcPts val="0"/>
+              </a:spcBef>
+              <a:spcAft>
+                <a:spcPts val="0"/>
+              </a:spcAft>
+              <a:buSzPts val="1200"/>
+              <a:buChar char="●"/>
+            </a:pPr>
+            <a:r>
+              <a:rPr lang="en"/>
+              <a:t>The biggest bottleneck in this project was setting up the training environment and training itself</a:t>
+            </a:r>
+            <a:endParaRPr/>
+          </a:p>
+          <a:p>
+            <a:pPr indent="-304800" lvl="0" marL="457200" marR="0" rtl="0" algn="l">
+              <a:lnSpc>
+                <a:spcPct val="115000"/>
+              </a:lnSpc>
+              <a:spcBef>
+                <a:spcPts val="0"/>
+              </a:spcBef>
+              <a:spcAft>
+                <a:spcPts val="0"/>
+              </a:spcAft>
+              <a:buSzPts val="1200"/>
+              <a:buChar char="●"/>
+            </a:pPr>
+            <a:r>
+              <a:rPr lang="en"/>
+              <a:t>Begin experimentation with the simplest possible models first</a:t>
+            </a:r>
+            <a:endParaRPr/>
+          </a:p>
+          <a:p>
+            <a:pPr indent="-304800" lvl="1" marL="914400" marR="0" rtl="0" algn="l">
+              <a:lnSpc>
+                <a:spcPct val="115000"/>
+              </a:lnSpc>
+              <a:spcBef>
+                <a:spcPts val="0"/>
+              </a:spcBef>
+              <a:spcAft>
+                <a:spcPts val="0"/>
+              </a:spcAft>
+              <a:buSzPts val="1200"/>
+              <a:buChar char="○"/>
+            </a:pPr>
+            <a:r>
+              <a:rPr lang="en"/>
+              <a:t>In this case, simplest performed best!</a:t>
+            </a:r>
+            <a:endParaRPr/>
+          </a:p>
+          <a:p>
+            <a:pPr indent="-304800" lvl="0" marL="457200" marR="0" rtl="0" algn="l">
+              <a:lnSpc>
+                <a:spcPct val="115000"/>
+              </a:lnSpc>
+              <a:spcBef>
+                <a:spcPts val="0"/>
+              </a:spcBef>
+              <a:spcAft>
+                <a:spcPts val="0"/>
+              </a:spcAft>
+              <a:buSzPts val="1200"/>
+              <a:buChar char="●"/>
+            </a:pPr>
+            <a:r>
+              <a:rPr lang="en"/>
+              <a:t>Use advice from the reference papers</a:t>
+            </a:r>
+            <a:endParaRPr/>
+          </a:p>
+          <a:p>
+            <a:pPr indent="-304800" lvl="1" marL="914400" marR="0" rtl="0" algn="l">
+              <a:lnSpc>
+                <a:spcPct val="115000"/>
+              </a:lnSpc>
+              <a:spcBef>
+                <a:spcPts val="0"/>
+              </a:spcBef>
+              <a:spcAft>
+                <a:spcPts val="0"/>
+              </a:spcAft>
+              <a:buSzPts val="1200"/>
+              <a:buChar char="○"/>
+            </a:pPr>
+            <a:r>
+              <a:rPr lang="en"/>
+              <a:t>They already provide insights into successful models</a:t>
+            </a:r>
+            <a:endParaRPr/>
+          </a:p>
+        </p:txBody>
+      </p:sp>
+    </p:spTree>
+  </p:cSld>
+  <p:clrMapOvr>
+    <a:masterClrMapping/>
+  </p:clrMapOvr>
+</p:sld>
+</file>
+
+<file path=ppt/slides/slide18.xml><?xml version="1.0" encoding="utf-8"?>
+<p:sld xmlns:a="http://schemas.openxmlformats.org/drawingml/2006/main" xmlns:r="http://schemas.openxmlformats.org/officeDocument/2006/relationships" xmlns:mc="http://schemas.openxmlformats.org/markup-compatibility/2006" xmlns:mv="urn:schemas-microsoft-com:mac:vml" xmlns:p="http://schemas.openxmlformats.org/presentationml/2006/main" xmlns:c="http://schemas.openxmlformats.org/drawingml/2006/chart" xmlns:dgm="http://schemas.openxmlformats.org/drawingml/2006/diagram" xmlns:o="urn:schemas-microsoft-com:office:office" xmlns:v="urn:schemas-microsoft-com:vml" xmlns:pvml="urn:schemas-microsoft-com:office:powerpoint" xmlns:com="http://schemas.openxmlformats.org/drawingml/2006/compatibility" xmlns:p14="http://schemas.microsoft.com/office/powerpoint/2010/main" xmlns:p15="http://schemas.microsoft.com/office/powerpoint/2012/main" xmlns:ahyp="http://schemas.microsoft.com/office/drawing/2018/hyperlinkcolor">
+  <p:cSld>
+    <p:spTree>
+      <p:nvGrpSpPr>
+        <p:cNvPr id="172" name="Shape 172"/>
+        <p:cNvGrpSpPr/>
+        <p:nvPr/>
+      </p:nvGrpSpPr>
+      <p:grpSpPr>
+        <a:xfrm>
+          <a:off x="0" y="0"/>
+          <a:ext cx="0" cy="0"/>
+          <a:chOff x="0" y="0"/>
+          <a:chExt cx="0" cy="0"/>
+        </a:xfrm>
+      </p:grpSpPr>
+      <p:sp>
+        <p:nvSpPr>
+          <p:cNvPr id="173" name="Google Shape;173;p30"/>
+          <p:cNvSpPr txBox="1"/>
+          <p:nvPr>
+            <p:ph type="title"/>
+          </p:nvPr>
+        </p:nvSpPr>
+        <p:spPr>
+          <a:xfrm>
+            <a:off x="311700" y="555600"/>
+            <a:ext cx="3714300" cy="755700"/>
+          </a:xfrm>
+          <a:prstGeom prst="rect">
+            <a:avLst/>
+          </a:prstGeom>
+        </p:spPr>
+        <p:txBody>
+          <a:bodyPr anchorCtr="0" anchor="b" bIns="91425" lIns="91425" spcFirstLastPara="1" rIns="91425" wrap="square" tIns="91425">
+            <a:noAutofit/>
+          </a:bodyPr>
+          <a:lstStyle/>
+          <a:p>
             <a:pPr indent="0" lvl="0" marL="0" rtl="0" algn="l">
               <a:spcBef>
                 <a:spcPts val="0"/>
@@ -7499,24 +8819,253 @@
             </a:pPr>
             <a:r>
               <a:rPr lang="en"/>
-              <a:t>Lorem ipsum dolor sit amet, consectetur adipiscing elit, sed do eiusmod tempor incididunt ut labore et dolore magna aliqua</a:t>
-            </a:r>
-            <a:endParaRPr/>
-          </a:p>
-          <a:p>
-            <a:pPr indent="0" lvl="0" marL="0" rtl="0" algn="l">
-              <a:spcBef>
-                <a:spcPts val="0"/>
-              </a:spcBef>
-              <a:spcAft>
-                <a:spcPts val="0"/>
-              </a:spcAft>
-              <a:buNone/>
-            </a:pPr>
-            <a:r>
-              <a:t/>
-            </a:r>
-            <a:endParaRPr sz="1400"/>
+              <a:t>Future Work</a:t>
+            </a:r>
+            <a:endParaRPr/>
+          </a:p>
+        </p:txBody>
+      </p:sp>
+      <p:sp>
+        <p:nvSpPr>
+          <p:cNvPr id="174" name="Google Shape;174;p30"/>
+          <p:cNvSpPr txBox="1"/>
+          <p:nvPr>
+            <p:ph idx="1" type="body"/>
+          </p:nvPr>
+        </p:nvSpPr>
+        <p:spPr>
+          <a:xfrm>
+            <a:off x="311700" y="1389600"/>
+            <a:ext cx="6164400" cy="3179400"/>
+          </a:xfrm>
+          <a:prstGeom prst="rect">
+            <a:avLst/>
+          </a:prstGeom>
+        </p:spPr>
+        <p:txBody>
+          <a:bodyPr anchorCtr="0" anchor="t" bIns="91425" lIns="91425" spcFirstLastPara="1" rIns="91425" wrap="square" tIns="91425">
+            <a:noAutofit/>
+          </a:bodyPr>
+          <a:lstStyle/>
+          <a:p>
+            <a:pPr indent="-304800" lvl="0" marL="457200" marR="0" rtl="0" algn="l">
+              <a:lnSpc>
+                <a:spcPct val="115000"/>
+              </a:lnSpc>
+              <a:spcBef>
+                <a:spcPts val="0"/>
+              </a:spcBef>
+              <a:spcAft>
+                <a:spcPts val="0"/>
+              </a:spcAft>
+              <a:buSzPts val="1200"/>
+              <a:buChar char="●"/>
+            </a:pPr>
+            <a:r>
+              <a:rPr lang="en"/>
+              <a:t>With more computation resources and training time:</a:t>
+            </a:r>
+            <a:endParaRPr/>
+          </a:p>
+          <a:p>
+            <a:pPr indent="-304800" lvl="1" marL="914400" marR="0" rtl="0" algn="l">
+              <a:lnSpc>
+                <a:spcPct val="115000"/>
+              </a:lnSpc>
+              <a:spcBef>
+                <a:spcPts val="0"/>
+              </a:spcBef>
+              <a:spcAft>
+                <a:spcPts val="0"/>
+              </a:spcAft>
+              <a:buSzPts val="1200"/>
+              <a:buChar char="○"/>
+            </a:pPr>
+            <a:r>
+              <a:rPr lang="en"/>
+              <a:t>try to tune more complex models to be successful</a:t>
+            </a:r>
+            <a:endParaRPr/>
+          </a:p>
+          <a:p>
+            <a:pPr indent="-304800" lvl="1" marL="914400" marR="0" rtl="0" algn="l">
+              <a:lnSpc>
+                <a:spcPct val="115000"/>
+              </a:lnSpc>
+              <a:spcBef>
+                <a:spcPts val="0"/>
+              </a:spcBef>
+              <a:spcAft>
+                <a:spcPts val="0"/>
+              </a:spcAft>
+              <a:buSzPts val="1200"/>
+              <a:buChar char="○"/>
+            </a:pPr>
+            <a:r>
+              <a:rPr lang="en"/>
+              <a:t>LSTM and transformer models</a:t>
+            </a:r>
+            <a:endParaRPr/>
+          </a:p>
+          <a:p>
+            <a:pPr indent="-304800" lvl="0" marL="457200" marR="0" rtl="0" algn="l">
+              <a:lnSpc>
+                <a:spcPct val="115000"/>
+              </a:lnSpc>
+              <a:spcBef>
+                <a:spcPts val="0"/>
+              </a:spcBef>
+              <a:spcAft>
+                <a:spcPts val="0"/>
+              </a:spcAft>
+              <a:buSzPts val="1200"/>
+              <a:buChar char="●"/>
+            </a:pPr>
+            <a:r>
+              <a:rPr lang="en"/>
+              <a:t>Continue tuning hyperparameters for linear regression</a:t>
+            </a:r>
+            <a:endParaRPr/>
+          </a:p>
+          <a:p>
+            <a:pPr indent="-304800" lvl="0" marL="457200" marR="0" rtl="0" algn="l">
+              <a:lnSpc>
+                <a:spcPct val="115000"/>
+              </a:lnSpc>
+              <a:spcBef>
+                <a:spcPts val="0"/>
+              </a:spcBef>
+              <a:spcAft>
+                <a:spcPts val="0"/>
+              </a:spcAft>
+              <a:buSzPts val="1200"/>
+              <a:buChar char="●"/>
+            </a:pPr>
+            <a:r>
+              <a:rPr lang="en"/>
+              <a:t>Implement ensemble forest methods for regression</a:t>
+            </a:r>
+            <a:endParaRPr/>
+          </a:p>
+          <a:p>
+            <a:pPr indent="-304800" lvl="0" marL="457200" marR="0" rtl="0" algn="l">
+              <a:lnSpc>
+                <a:spcPct val="115000"/>
+              </a:lnSpc>
+              <a:spcBef>
+                <a:spcPts val="0"/>
+              </a:spcBef>
+              <a:spcAft>
+                <a:spcPts val="0"/>
+              </a:spcAft>
+              <a:buSzPts val="1200"/>
+              <a:buChar char="●"/>
+            </a:pPr>
+            <a:r>
+              <a:rPr lang="en"/>
+              <a:t>Apply nearest neighbor approach to test data based on training data</a:t>
+            </a:r>
+            <a:endParaRPr/>
+          </a:p>
+          <a:p>
+            <a:pPr indent="-304800" lvl="1" marL="914400" marR="0" rtl="0" algn="l">
+              <a:lnSpc>
+                <a:spcPct val="115000"/>
+              </a:lnSpc>
+              <a:spcBef>
+                <a:spcPts val="0"/>
+              </a:spcBef>
+              <a:spcAft>
+                <a:spcPts val="0"/>
+              </a:spcAft>
+              <a:buSzPts val="1200"/>
+              <a:buChar char="○"/>
+            </a:pPr>
+            <a:r>
+              <a:rPr lang="en"/>
+              <a:t>May not be effective in real-time, but effective in a competition setting</a:t>
+            </a:r>
+            <a:endParaRPr/>
+          </a:p>
+          <a:p>
+            <a:pPr indent="-304800" lvl="0" marL="457200" marR="0" rtl="0" algn="l">
+              <a:lnSpc>
+                <a:spcPct val="115000"/>
+              </a:lnSpc>
+              <a:spcBef>
+                <a:spcPts val="0"/>
+              </a:spcBef>
+              <a:spcAft>
+                <a:spcPts val="0"/>
+              </a:spcAft>
+              <a:buSzPts val="1200"/>
+              <a:buChar char="●"/>
+            </a:pPr>
+            <a:r>
+              <a:rPr lang="en"/>
+              <a:t>Implement more pre/post processing techniques</a:t>
+            </a:r>
+            <a:endParaRPr/>
+          </a:p>
+          <a:p>
+            <a:pPr indent="-304800" lvl="1" marL="914400" marR="0" rtl="0" algn="l">
+              <a:lnSpc>
+                <a:spcPct val="115000"/>
+              </a:lnSpc>
+              <a:spcBef>
+                <a:spcPts val="0"/>
+              </a:spcBef>
+              <a:spcAft>
+                <a:spcPts val="0"/>
+              </a:spcAft>
+              <a:buSzPts val="1200"/>
+              <a:buChar char="○"/>
+            </a:pPr>
+            <a:r>
+              <a:rPr lang="en"/>
+              <a:t>min/max normalization for input data</a:t>
+            </a:r>
+            <a:endParaRPr/>
+          </a:p>
+          <a:p>
+            <a:pPr indent="-304800" lvl="1" marL="914400" marR="0" rtl="0" algn="l">
+              <a:lnSpc>
+                <a:spcPct val="115000"/>
+              </a:lnSpc>
+              <a:spcBef>
+                <a:spcPts val="0"/>
+              </a:spcBef>
+              <a:spcAft>
+                <a:spcPts val="0"/>
+              </a:spcAft>
+              <a:buSzPts val="1200"/>
+              <a:buChar char="○"/>
+            </a:pPr>
+            <a:r>
+              <a:rPr lang="en"/>
+              <a:t>Kalman filter</a:t>
+            </a:r>
+            <a:endParaRPr/>
+          </a:p>
+          <a:p>
+            <a:pPr indent="-304800" lvl="0" marL="457200" marR="0" rtl="0" algn="l">
+              <a:lnSpc>
+                <a:spcPct val="115000"/>
+              </a:lnSpc>
+              <a:spcBef>
+                <a:spcPts val="0"/>
+              </a:spcBef>
+              <a:spcAft>
+                <a:spcPts val="0"/>
+              </a:spcAft>
+              <a:buSzPts val="1200"/>
+              <a:buChar char="●"/>
+            </a:pPr>
+            <a:r>
+              <a:rPr lang="en"/>
+              <a:t>Interpolate data to generate more features or collect more data to develop more complex models</a:t>
+            </a:r>
+            <a:endParaRPr/>
           </a:p>
         </p:txBody>
       </p:sp>
@@ -7618,8 +9167,7 @@
               <a:buNone/>
             </a:pPr>
             <a:r>
-              <a:rPr lang="en"/>
-              <a:t>3 - 4 sentence summary of the presentation </a:t>
+              <a:t/>
             </a:r>
             <a:endParaRPr/>
           </a:p>
@@ -7636,7 +9184,7 @@
             </a:pPr>
             <a:r>
               <a:rPr lang="en"/>
-              <a:t>Who is in your team</a:t>
+              <a:t>Team members: William Sun</a:t>
             </a:r>
             <a:endParaRPr/>
           </a:p>
@@ -7653,7 +9201,7 @@
             </a:pPr>
             <a:r>
               <a:rPr lang="en"/>
-              <a:t>How did you solve the problem</a:t>
+              <a:t>How did you solve the problem: Linear Regression</a:t>
             </a:r>
             <a:endParaRPr/>
           </a:p>
@@ -7670,7 +9218,100 @@
             </a:pPr>
             <a:r>
               <a:rPr lang="en"/>
-              <a:t>What have you learned</a:t>
+              <a:t>Final results</a:t>
+            </a:r>
+            <a:r>
+              <a:rPr lang="en"/>
+              <a:t>:</a:t>
+            </a:r>
+            <a:endParaRPr/>
+          </a:p>
+          <a:p>
+            <a:pPr indent="-317500" lvl="1" marL="914400" rtl="0" algn="l">
+              <a:spcBef>
+                <a:spcPts val="0"/>
+              </a:spcBef>
+              <a:spcAft>
+                <a:spcPts val="0"/>
+              </a:spcAft>
+              <a:buSzPts val="1400"/>
+              <a:buChar char="○"/>
+            </a:pPr>
+            <a:r>
+              <a:rPr lang="en"/>
+              <a:t>Rank: 12</a:t>
+            </a:r>
+            <a:endParaRPr/>
+          </a:p>
+          <a:p>
+            <a:pPr indent="-317500" lvl="1" marL="914400" rtl="0" algn="l">
+              <a:spcBef>
+                <a:spcPts val="0"/>
+              </a:spcBef>
+              <a:spcAft>
+                <a:spcPts val="0"/>
+              </a:spcAft>
+              <a:buSzPts val="1400"/>
+              <a:buChar char="○"/>
+            </a:pPr>
+            <a:r>
+              <a:rPr lang="en"/>
+              <a:t>Sco</a:t>
+            </a:r>
+            <a:r>
+              <a:rPr lang="en"/>
+              <a:t>re: 21.92163</a:t>
+            </a:r>
+            <a:endParaRPr/>
+          </a:p>
+          <a:p>
+            <a:pPr indent="-342900" lvl="0" marL="457200" rtl="0" algn="l">
+              <a:spcBef>
+                <a:spcPts val="0"/>
+              </a:spcBef>
+              <a:spcAft>
+                <a:spcPts val="0"/>
+              </a:spcAft>
+              <a:buSzPts val="1800"/>
+              <a:buChar char="●"/>
+            </a:pPr>
+            <a:r>
+              <a:rPr lang="en"/>
+              <a:t>What have you learned:</a:t>
+            </a:r>
+            <a:endParaRPr/>
+          </a:p>
+          <a:p>
+            <a:pPr indent="-317500" lvl="1" marL="914400" rtl="0" algn="l">
+              <a:spcBef>
+                <a:spcPts val="0"/>
+              </a:spcBef>
+              <a:spcAft>
+                <a:spcPts val="0"/>
+              </a:spcAft>
+              <a:buSzPts val="1400"/>
+              <a:buChar char="○"/>
+            </a:pPr>
+            <a:r>
+              <a:rPr lang="en"/>
+              <a:t>Implementing and experimenting with multiple ML and DL models</a:t>
+            </a:r>
+            <a:endParaRPr/>
+          </a:p>
+          <a:p>
+            <a:pPr indent="-317500" lvl="1" marL="914400" rtl="0" algn="l">
+              <a:spcBef>
+                <a:spcPts val="0"/>
+              </a:spcBef>
+              <a:spcAft>
+                <a:spcPts val="0"/>
+              </a:spcAft>
+              <a:buSzPts val="1400"/>
+              <a:buChar char="○"/>
+            </a:pPr>
+            <a:r>
+              <a:rPr lang="en"/>
+              <a:t>Experience with PyTorch, sklearn</a:t>
             </a:r>
             <a:endParaRPr/>
           </a:p>
@@ -7845,7 +9486,16 @@
               <a:buNone/>
             </a:pPr>
             <a:r>
-              <a:t/>
+              <a:rPr lang="en" sz="1800">
+                <a:solidFill>
+                  <a:schemeClr val="lt1"/>
+                </a:solidFill>
+                <a:latin typeface="Source Code Pro"/>
+                <a:ea typeface="Source Code Pro"/>
+                <a:cs typeface="Source Code Pro"/>
+                <a:sym typeface="Source Code Pro"/>
+              </a:rPr>
+              <a:t>MLP</a:t>
             </a:r>
             <a:endParaRPr sz="1800">
               <a:solidFill>
@@ -7946,7 +9596,7 @@
                 <a:cs typeface="Source Code Pro"/>
                 <a:sym typeface="Source Code Pro"/>
               </a:rPr>
-              <a:t>Deep Sequence Model</a:t>
+              <a:t>Motion Prediction Forecasting</a:t>
             </a:r>
             <a:endParaRPr sz="3000">
               <a:solidFill>
@@ -8011,8 +9661,8 @@
         </p:nvSpPr>
         <p:spPr>
           <a:xfrm>
-            <a:off x="5709825" y="2596750"/>
-            <a:ext cx="1506600" cy="607800"/>
+            <a:off x="5660100" y="2596750"/>
+            <a:ext cx="1669500" cy="607800"/>
           </a:xfrm>
           <a:prstGeom prst="rect">
             <a:avLst/>
@@ -8047,7 +9697,7 @@
                 <a:cs typeface="Source Code Pro"/>
                 <a:sym typeface="Source Code Pro"/>
               </a:rPr>
-              <a:t>Computer Vision</a:t>
+              <a:t>Linear Regression</a:t>
             </a:r>
             <a:endParaRPr sz="1800">
               <a:solidFill>
@@ -8112,8 +9762,8 @@
         </p:nvSpPr>
         <p:spPr>
           <a:xfrm>
-            <a:off x="7718425" y="2596750"/>
-            <a:ext cx="1012500" cy="607800"/>
+            <a:off x="7621675" y="2596750"/>
+            <a:ext cx="1172700" cy="607800"/>
           </a:xfrm>
           <a:prstGeom prst="rect">
             <a:avLst/>
@@ -8139,7 +9789,16 @@
               <a:buNone/>
             </a:pPr>
             <a:r>
-              <a:t/>
+              <a:rPr lang="en" sz="1500">
+                <a:solidFill>
+                  <a:schemeClr val="lt1"/>
+                </a:solidFill>
+                <a:latin typeface="Source Code Pro"/>
+                <a:ea typeface="Source Code Pro"/>
+                <a:cs typeface="Source Code Pro"/>
+                <a:sym typeface="Source Code Pro"/>
+              </a:rPr>
+              <a:t>Velocity</a:t>
             </a:r>
             <a:endParaRPr sz="1500">
               <a:solidFill>
@@ -8294,7 +9953,7 @@
         <p:spPr>
           <a:xfrm>
             <a:off x="311700" y="1389600"/>
-            <a:ext cx="2808000" cy="3179400"/>
+            <a:ext cx="3731100" cy="3179400"/>
           </a:xfrm>
           <a:prstGeom prst="rect">
             <a:avLst/>
@@ -8306,23 +9965,114 @@
           </a:bodyPr>
           <a:lstStyle/>
           <a:p>
-            <a:pPr indent="0" lvl="0" marL="0" rtl="0" algn="l">
-              <a:spcBef>
-                <a:spcPts val="0"/>
-              </a:spcBef>
-              <a:spcAft>
-                <a:spcPts val="1600"/>
-              </a:spcAft>
-              <a:buNone/>
+            <a:pPr indent="-304800" lvl="0" marL="457200" rtl="0" algn="l">
+              <a:spcBef>
+                <a:spcPts val="0"/>
+              </a:spcBef>
+              <a:spcAft>
+                <a:spcPts val="0"/>
+              </a:spcAft>
+              <a:buSzPts val="1200"/>
+              <a:buChar char="●"/>
             </a:pPr>
             <a:r>
               <a:rPr lang="en"/>
-              <a:t>Lorem ipsum dolor sit amet, consectetur adipiscing elit, sed do eiusmod tempor incididunt ut labore et dolore magna aliqua</a:t>
+              <a:t>William Sun:</a:t>
+            </a:r>
+            <a:endParaRPr/>
+          </a:p>
+          <a:p>
+            <a:pPr indent="-304800" lvl="1" marL="914400" rtl="0" algn="l">
+              <a:spcBef>
+                <a:spcPts val="0"/>
+              </a:spcBef>
+              <a:spcAft>
+                <a:spcPts val="0"/>
+              </a:spcAft>
+              <a:buSzPts val="1200"/>
+              <a:buChar char="○"/>
+            </a:pPr>
+            <a:r>
+              <a:rPr lang="en"/>
+              <a:t>Senior, Computer Engineering</a:t>
+            </a:r>
+            <a:endParaRPr/>
+          </a:p>
+          <a:p>
+            <a:pPr indent="-304800" lvl="1" marL="914400" rtl="0" algn="l">
+              <a:spcBef>
+                <a:spcPts val="0"/>
+              </a:spcBef>
+              <a:spcAft>
+                <a:spcPts val="0"/>
+              </a:spcAft>
+              <a:buSzPts val="1200"/>
+              <a:buChar char="○"/>
+            </a:pPr>
+            <a:r>
+              <a:rPr lang="en"/>
+              <a:t>Background: CSE 151A, CSE 152A</a:t>
             </a:r>
             <a:endParaRPr/>
           </a:p>
         </p:txBody>
       </p:sp>
+      <p:pic>
+        <p:nvPicPr>
+          <p:cNvPr id="87" name="Google Shape;87;p17"/>
+          <p:cNvPicPr preferRelativeResize="0"/>
+          <p:nvPr/>
+        </p:nvPicPr>
+        <p:blipFill>
+          <a:blip r:embed="rId3">
+            <a:alphaModFix/>
+          </a:blip>
+          <a:stretch>
+            <a:fillRect/>
+          </a:stretch>
+        </p:blipFill>
+        <p:spPr>
+          <a:xfrm>
+            <a:off x="4572000" y="858500"/>
+            <a:ext cx="3676650" cy="1238250"/>
+          </a:xfrm>
+          <a:prstGeom prst="rect">
+            <a:avLst/>
+          </a:prstGeom>
+          <a:noFill/>
+          <a:ln>
+            <a:noFill/>
+          </a:ln>
+        </p:spPr>
+      </p:pic>
+      <p:pic>
+        <p:nvPicPr>
+          <p:cNvPr id="88" name="Google Shape;88;p17"/>
+          <p:cNvPicPr preferRelativeResize="0"/>
+          <p:nvPr/>
+        </p:nvPicPr>
+        <p:blipFill>
+          <a:blip r:embed="rId4">
+            <a:alphaModFix/>
+          </a:blip>
+          <a:stretch>
+            <a:fillRect/>
+          </a:stretch>
+        </p:blipFill>
+        <p:spPr>
+          <a:xfrm>
+            <a:off x="4372388" y="2096750"/>
+            <a:ext cx="4075871" cy="2741950"/>
+          </a:xfrm>
+          <a:prstGeom prst="rect">
+            <a:avLst/>
+          </a:prstGeom>
+          <a:noFill/>
+          <a:ln>
+            <a:noFill/>
+          </a:ln>
+        </p:spPr>
+      </p:pic>
     </p:spTree>
   </p:cSld>
   <p:clrMapOvr>
@@ -8336,7 +10086,7 @@
   <p:cSld>
     <p:spTree>
       <p:nvGrpSpPr>
-        <p:cNvPr id="90" name="Shape 90"/>
+        <p:cNvPr id="92" name="Shape 92"/>
         <p:cNvGrpSpPr/>
         <p:nvPr/>
       </p:nvGrpSpPr>
@@ -8350,7 +10100,7 @@
       </p:grpSpPr>
       <p:sp>
         <p:nvSpPr>
-          <p:cNvPr id="91" name="Google Shape;91;p18"/>
+          <p:cNvPr id="93" name="Google Shape;93;p18"/>
           <p:cNvSpPr txBox="1"/>
           <p:nvPr>
             <p:ph type="title"/>
@@ -8401,7 +10151,7 @@
   <p:cSld>
     <p:spTree>
       <p:nvGrpSpPr>
-        <p:cNvPr id="95" name="Shape 95"/>
+        <p:cNvPr id="97" name="Shape 97"/>
         <p:cNvGrpSpPr/>
         <p:nvPr/>
       </p:nvGrpSpPr>
@@ -8415,7 +10165,7 @@
       </p:grpSpPr>
       <p:sp>
         <p:nvSpPr>
-          <p:cNvPr id="96" name="Google Shape;96;p19"/>
+          <p:cNvPr id="98" name="Google Shape;98;p19"/>
           <p:cNvSpPr txBox="1"/>
           <p:nvPr>
             <p:ph type="title"/>
@@ -8455,7 +10205,7 @@
       </p:sp>
       <p:sp>
         <p:nvSpPr>
-          <p:cNvPr id="97" name="Google Shape;97;p19"/>
+          <p:cNvPr id="99" name="Google Shape;99;p19"/>
           <p:cNvSpPr txBox="1"/>
           <p:nvPr>
             <p:ph idx="1" type="body"/>
@@ -8464,7 +10214,7 @@
         <p:spPr>
           <a:xfrm>
             <a:off x="311700" y="1389600"/>
-            <a:ext cx="2808000" cy="3179400"/>
+            <a:ext cx="5131200" cy="3179400"/>
           </a:xfrm>
           <a:prstGeom prst="rect">
             <a:avLst/>
@@ -8476,7 +10226,155 @@
           </a:bodyPr>
           <a:lstStyle/>
           <a:p>
-            <a:pPr indent="0" lvl="0" marL="0" rtl="0" algn="l">
+            <a:pPr indent="-304800" lvl="0" marL="457200" marR="0" rtl="0" algn="l">
+              <a:lnSpc>
+                <a:spcPct val="115000"/>
+              </a:lnSpc>
+              <a:spcBef>
+                <a:spcPts val="0"/>
+              </a:spcBef>
+              <a:spcAft>
+                <a:spcPts val="0"/>
+              </a:spcAft>
+              <a:buSzPts val="1200"/>
+              <a:buChar char="●"/>
+            </a:pPr>
+            <a:r>
+              <a:rPr lang="en"/>
+              <a:t>Summ</a:t>
+            </a:r>
+            <a:r>
+              <a:rPr lang="en"/>
+              <a:t>ary: the prediction task will consist of taking in 50 positional coordinates which are ordered in time (5 seconds), and output the next 60 predicted positional coordinates in time (6 seconds)</a:t>
+            </a:r>
+            <a:endParaRPr/>
+          </a:p>
+          <a:p>
+            <a:pPr indent="-304800" lvl="0" marL="457200" marR="0" rtl="0" algn="l">
+              <a:lnSpc>
+                <a:spcPct val="115000"/>
+              </a:lnSpc>
+              <a:spcBef>
+                <a:spcPts val="0"/>
+              </a:spcBef>
+              <a:spcAft>
+                <a:spcPts val="0"/>
+              </a:spcAft>
+              <a:buSzPts val="1200"/>
+              <a:buChar char="●"/>
+            </a:pPr>
+            <a:r>
+              <a:rPr lang="en"/>
+              <a:t>Initially: 80/20 training/validation split was used</a:t>
+            </a:r>
+            <a:endParaRPr/>
+          </a:p>
+          <a:p>
+            <a:pPr indent="-304800" lvl="0" marL="457200" marR="0" rtl="0" algn="l">
+              <a:lnSpc>
+                <a:spcPct val="115000"/>
+              </a:lnSpc>
+              <a:spcBef>
+                <a:spcPts val="0"/>
+              </a:spcBef>
+              <a:spcAft>
+                <a:spcPts val="0"/>
+              </a:spcAft>
+              <a:buSzPts val="1200"/>
+              <a:buChar char="●"/>
+            </a:pPr>
+            <a:r>
+              <a:rPr lang="en"/>
+              <a:t>No normalization was used → performance was satisfactory</a:t>
+            </a:r>
+            <a:endParaRPr/>
+          </a:p>
+          <a:p>
+            <a:pPr indent="-304800" lvl="0" marL="457200" marR="0" rtl="0" algn="l">
+              <a:lnSpc>
+                <a:spcPct val="115000"/>
+              </a:lnSpc>
+              <a:spcBef>
+                <a:spcPts val="0"/>
+              </a:spcBef>
+              <a:spcAft>
+                <a:spcPts val="0"/>
+              </a:spcAft>
+              <a:buSzPts val="1200"/>
+              <a:buChar char="●"/>
+            </a:pPr>
+            <a:r>
+              <a:rPr lang="en"/>
+              <a:t>Idea: implement min-max normalization</a:t>
+            </a:r>
+            <a:endParaRPr sz="1500">
+              <a:solidFill>
+                <a:schemeClr val="dk1"/>
+              </a:solidFill>
+              <a:highlight>
+                <a:srgbClr val="FFFFFF"/>
+              </a:highlight>
+            </a:endParaRPr>
+          </a:p>
+        </p:txBody>
+      </p:sp>
+      <p:pic>
+        <p:nvPicPr>
+          <p:cNvPr id="100" name="Google Shape;100;p19"/>
+          <p:cNvPicPr preferRelativeResize="0"/>
+          <p:nvPr/>
+        </p:nvPicPr>
+        <p:blipFill>
+          <a:blip r:embed="rId3">
+            <a:alphaModFix/>
+          </a:blip>
+          <a:stretch>
+            <a:fillRect/>
+          </a:stretch>
+        </p:blipFill>
+        <p:spPr>
+          <a:xfrm>
+            <a:off x="647700" y="2932700"/>
+            <a:ext cx="8134350" cy="1714500"/>
+          </a:xfrm>
+          <a:prstGeom prst="rect">
+            <a:avLst/>
+          </a:prstGeom>
+          <a:noFill/>
+          <a:ln>
+            <a:noFill/>
+          </a:ln>
+        </p:spPr>
+      </p:pic>
+      <p:sp>
+        <p:nvSpPr>
+          <p:cNvPr id="101" name="Google Shape;101;p19"/>
+          <p:cNvSpPr txBox="1"/>
+          <p:nvPr/>
+        </p:nvSpPr>
+        <p:spPr>
+          <a:xfrm>
+            <a:off x="2415750" y="4569000"/>
+            <a:ext cx="4312500" cy="369300"/>
+          </a:xfrm>
+          <a:prstGeom prst="rect">
+            <a:avLst/>
+          </a:prstGeom>
+          <a:noFill/>
+          <a:ln>
+            <a:noFill/>
+          </a:ln>
+        </p:spPr>
+        <p:txBody>
+          <a:bodyPr anchorCtr="0" anchor="ctr" bIns="91425" lIns="91425" spcFirstLastPara="1" rIns="91425" wrap="square" tIns="91425">
+            <a:spAutoFit/>
+          </a:bodyPr>
+          <a:lstStyle/>
+          <a:p>
+            <a:pPr indent="457200" lvl="0" marL="0" marR="0" rtl="0" algn="l">
+              <a:lnSpc>
+                <a:spcPct val="115000"/>
+              </a:lnSpc>
               <a:spcBef>
                 <a:spcPts val="0"/>
               </a:spcBef>
@@ -8486,8 +10384,12 @@
               <a:buNone/>
             </a:pPr>
             <a:r>
-              <a:rPr lang="en"/>
-              <a:t>Lorem ipsum dolor sit amet, consectetur adipiscing elit, sed do eiusmod tempor incididunt ut labore et dolore magna aliqua</a:t>
+              <a:rPr lang="en" sz="1200">
+                <a:solidFill>
+                  <a:schemeClr val="dk2"/>
+                </a:solidFill>
+              </a:rPr>
+              <a:t>Visualize sample data batch (Austin #3000)</a:t>
             </a:r>
             <a:endParaRPr/>
           </a:p>
@@ -8506,7 +10408,7 @@
   <p:cSld>
     <p:spTree>
       <p:nvGrpSpPr>
-        <p:cNvPr id="101" name="Shape 101"/>
+        <p:cNvPr id="105" name="Shape 105"/>
         <p:cNvGrpSpPr/>
         <p:nvPr/>
       </p:nvGrpSpPr>
@@ -8520,7 +10422,7 @@
       </p:grpSpPr>
       <p:sp>
         <p:nvSpPr>
-          <p:cNvPr id="102" name="Google Shape;102;p20"/>
+          <p:cNvPr id="106" name="Google Shape;106;p20"/>
           <p:cNvSpPr txBox="1"/>
           <p:nvPr>
             <p:ph type="title"/>
@@ -8529,7 +10431,7 @@
         <p:spPr>
           <a:xfrm>
             <a:off x="311700" y="555600"/>
-            <a:ext cx="3318300" cy="755700"/>
+            <a:ext cx="2808000" cy="755700"/>
           </a:xfrm>
           <a:prstGeom prst="rect">
             <a:avLst/>
@@ -8552,7 +10454,7 @@
             </a:pPr>
             <a:r>
               <a:rPr lang="en"/>
-              <a:t>Deep Learning Model</a:t>
+              <a:t>Data Visualization</a:t>
             </a:r>
             <a:endParaRPr/>
           </a:p>
@@ -8560,7 +10462,7 @@
       </p:sp>
       <p:sp>
         <p:nvSpPr>
-          <p:cNvPr id="103" name="Google Shape;103;p20"/>
+          <p:cNvPr id="107" name="Google Shape;107;p20"/>
           <p:cNvSpPr txBox="1"/>
           <p:nvPr>
             <p:ph idx="1" type="body"/>
@@ -8569,7 +10471,7 @@
         <p:spPr>
           <a:xfrm>
             <a:off x="311700" y="1389600"/>
-            <a:ext cx="2808000" cy="3179400"/>
+            <a:ext cx="5131200" cy="3179400"/>
           </a:xfrm>
           <a:prstGeom prst="rect">
             <a:avLst/>
@@ -8581,23 +10483,143 @@
           </a:bodyPr>
           <a:lstStyle/>
           <a:p>
-            <a:pPr indent="0" lvl="0" marL="0" rtl="0" algn="l">
-              <a:spcBef>
-                <a:spcPts val="0"/>
-              </a:spcBef>
-              <a:spcAft>
-                <a:spcPts val="1600"/>
-              </a:spcAft>
-              <a:buNone/>
+            <a:pPr indent="-304800" lvl="0" marL="457200" marR="0" rtl="0" algn="l">
+              <a:lnSpc>
+                <a:spcPct val="115000"/>
+              </a:lnSpc>
+              <a:spcBef>
+                <a:spcPts val="0"/>
+              </a:spcBef>
+              <a:spcAft>
+                <a:spcPts val="0"/>
+              </a:spcAft>
+              <a:buSzPts val="1200"/>
+              <a:buChar char="●"/>
             </a:pPr>
             <a:r>
               <a:rPr lang="en"/>
-              <a:t>Lorem ipsum dolor sit amet, consectetur adipiscing elit, sed do eiusmod tempor incididunt ut labore et dolore magna aliqua</a:t>
+              <a:t>Use imshow() to visualize positions</a:t>
+            </a:r>
+            <a:endParaRPr/>
+          </a:p>
+          <a:p>
+            <a:pPr indent="-304800" lvl="0" marL="457200" marR="0" rtl="0" algn="l">
+              <a:lnSpc>
+                <a:spcPct val="115000"/>
+              </a:lnSpc>
+              <a:spcBef>
+                <a:spcPts val="0"/>
+              </a:spcBef>
+              <a:spcAft>
+                <a:spcPts val="0"/>
+              </a:spcAft>
+              <a:buSzPts val="1200"/>
+              <a:buChar char="●"/>
+            </a:pPr>
+            <a:r>
+              <a:rPr lang="en"/>
+              <a:t>Findings:</a:t>
+            </a:r>
+            <a:endParaRPr/>
+          </a:p>
+          <a:p>
+            <a:pPr indent="-304800" lvl="1" marL="914400" marR="0" rtl="0" algn="l">
+              <a:lnSpc>
+                <a:spcPct val="115000"/>
+              </a:lnSpc>
+              <a:spcBef>
+                <a:spcPts val="0"/>
+              </a:spcBef>
+              <a:spcAft>
+                <a:spcPts val="0"/>
+              </a:spcAft>
+              <a:buSzPts val="1200"/>
+              <a:buChar char="○"/>
+            </a:pPr>
+            <a:r>
+              <a:rPr lang="en"/>
+              <a:t>many straight lines</a:t>
+            </a:r>
+            <a:endParaRPr/>
+          </a:p>
+          <a:p>
+            <a:pPr indent="-304800" lvl="1" marL="914400" marR="0" rtl="0" algn="l">
+              <a:lnSpc>
+                <a:spcPct val="115000"/>
+              </a:lnSpc>
+              <a:spcBef>
+                <a:spcPts val="0"/>
+              </a:spcBef>
+              <a:spcAft>
+                <a:spcPts val="0"/>
+              </a:spcAft>
+              <a:buSzPts val="1200"/>
+              <a:buChar char="○"/>
+            </a:pPr>
+            <a:r>
+              <a:rPr lang="en"/>
+              <a:t>densely packed regions</a:t>
             </a:r>
             <a:endParaRPr/>
           </a:p>
         </p:txBody>
       </p:sp>
+      <p:pic>
+        <p:nvPicPr>
+          <p:cNvPr id="108" name="Google Shape;108;p20"/>
+          <p:cNvPicPr preferRelativeResize="0"/>
+          <p:nvPr/>
+        </p:nvPicPr>
+        <p:blipFill>
+          <a:blip r:embed="rId3">
+            <a:alphaModFix/>
+          </a:blip>
+          <a:stretch>
+            <a:fillRect/>
+          </a:stretch>
+        </p:blipFill>
+        <p:spPr>
+          <a:xfrm>
+            <a:off x="3356700" y="209550"/>
+            <a:ext cx="2714625" cy="4724400"/>
+          </a:xfrm>
+          <a:prstGeom prst="rect">
+            <a:avLst/>
+          </a:prstGeom>
+          <a:noFill/>
+          <a:ln>
+            <a:noFill/>
+          </a:ln>
+        </p:spPr>
+      </p:pic>
+      <p:pic>
+        <p:nvPicPr>
+          <p:cNvPr id="109" name="Google Shape;109;p20"/>
+          <p:cNvPicPr preferRelativeResize="0"/>
+          <p:nvPr/>
+        </p:nvPicPr>
+        <p:blipFill>
+          <a:blip r:embed="rId4">
+            <a:alphaModFix/>
+          </a:blip>
+          <a:stretch>
+            <a:fillRect/>
+          </a:stretch>
+        </p:blipFill>
+        <p:spPr>
+          <a:xfrm>
+            <a:off x="6133000" y="209550"/>
+            <a:ext cx="2705100" cy="4724400"/>
+          </a:xfrm>
+          <a:prstGeom prst="rect">
+            <a:avLst/>
+          </a:prstGeom>
+          <a:noFill/>
+          <a:ln>
+            <a:noFill/>
+          </a:ln>
+        </p:spPr>
+      </p:pic>
     </p:spTree>
   </p:cSld>
   <p:clrMapOvr>
@@ -8611,7 +10633,7 @@
   <p:cSld>
     <p:spTree>
       <p:nvGrpSpPr>
-        <p:cNvPr id="107" name="Shape 107"/>
+        <p:cNvPr id="113" name="Shape 113"/>
         <p:cNvGrpSpPr/>
         <p:nvPr/>
       </p:nvGrpSpPr>
@@ -8625,7 +10647,7 @@
       </p:grpSpPr>
       <p:sp>
         <p:nvSpPr>
-          <p:cNvPr id="108" name="Google Shape;108;p21"/>
+          <p:cNvPr id="114" name="Google Shape;114;p21"/>
           <p:cNvSpPr txBox="1"/>
           <p:nvPr>
             <p:ph type="title"/>
@@ -8634,7 +10656,7 @@
         <p:spPr>
           <a:xfrm>
             <a:off x="311700" y="555600"/>
-            <a:ext cx="2808000" cy="755700"/>
+            <a:ext cx="3318300" cy="755700"/>
           </a:xfrm>
           <a:prstGeom prst="rect">
             <a:avLst/>
@@ -8657,7 +10679,7 @@
             </a:pPr>
             <a:r>
               <a:rPr lang="en"/>
-              <a:t>Engineering Tricks </a:t>
+              <a:t>Deep Learning Model</a:t>
             </a:r>
             <a:endParaRPr/>
           </a:p>
@@ -8665,7 +10687,7 @@
       </p:sp>
       <p:sp>
         <p:nvSpPr>
-          <p:cNvPr id="109" name="Google Shape;109;p21"/>
+          <p:cNvPr id="115" name="Google Shape;115;p21"/>
           <p:cNvSpPr txBox="1"/>
           <p:nvPr>
             <p:ph idx="1" type="body"/>
@@ -8674,7 +10696,7 @@
         <p:spPr>
           <a:xfrm>
             <a:off x="311700" y="1389600"/>
-            <a:ext cx="2808000" cy="3179400"/>
+            <a:ext cx="5543100" cy="3179400"/>
           </a:xfrm>
           <a:prstGeom prst="rect">
             <a:avLst/>
@@ -8686,18 +10708,206 @@
           </a:bodyPr>
           <a:lstStyle/>
           <a:p>
-            <a:pPr indent="0" lvl="0" marL="0" rtl="0" algn="l">
-              <a:spcBef>
-                <a:spcPts val="0"/>
-              </a:spcBef>
-              <a:spcAft>
-                <a:spcPts val="1600"/>
-              </a:spcAft>
-              <a:buNone/>
+            <a:pPr indent="-304800" lvl="0" marL="457200" marR="0" rtl="0" algn="l">
+              <a:lnSpc>
+                <a:spcPct val="115000"/>
+              </a:lnSpc>
+              <a:spcBef>
+                <a:spcPts val="0"/>
+              </a:spcBef>
+              <a:spcAft>
+                <a:spcPts val="0"/>
+              </a:spcAft>
+              <a:buSzPts val="1200"/>
+              <a:buChar char="●"/>
             </a:pPr>
             <a:r>
               <a:rPr lang="en"/>
-              <a:t>Lorem ipsum dolor sit amet, consectetur adipiscing elit, sed do eiusmod tempor incididunt ut labore et dolore magna aliqua</a:t>
+              <a:t>DL models tested:</a:t>
+            </a:r>
+            <a:endParaRPr/>
+          </a:p>
+          <a:p>
+            <a:pPr indent="-304800" lvl="1" marL="914400" marR="0" rtl="0" algn="l">
+              <a:lnSpc>
+                <a:spcPct val="115000"/>
+              </a:lnSpc>
+              <a:spcBef>
+                <a:spcPts val="0"/>
+              </a:spcBef>
+              <a:spcAft>
+                <a:spcPts val="0"/>
+              </a:spcAft>
+              <a:buSzPts val="1200"/>
+              <a:buChar char="○"/>
+            </a:pPr>
+            <a:r>
+              <a:rPr lang="en"/>
+              <a:t>MLP</a:t>
+            </a:r>
+            <a:endParaRPr/>
+          </a:p>
+          <a:p>
+            <a:pPr indent="-304800" lvl="1" marL="914400" marR="0" rtl="0" algn="l">
+              <a:lnSpc>
+                <a:spcPct val="115000"/>
+              </a:lnSpc>
+              <a:spcBef>
+                <a:spcPts val="0"/>
+              </a:spcBef>
+              <a:spcAft>
+                <a:spcPts val="0"/>
+              </a:spcAft>
+              <a:buSzPts val="1200"/>
+              <a:buChar char="○"/>
+            </a:pPr>
+            <a:r>
+              <a:rPr lang="en"/>
+              <a:t>Encoder/Decoder</a:t>
+            </a:r>
+            <a:endParaRPr/>
+          </a:p>
+          <a:p>
+            <a:pPr indent="-304800" lvl="1" marL="914400" marR="0" rtl="0" algn="l">
+              <a:lnSpc>
+                <a:spcPct val="115000"/>
+              </a:lnSpc>
+              <a:spcBef>
+                <a:spcPts val="0"/>
+              </a:spcBef>
+              <a:spcAft>
+                <a:spcPts val="0"/>
+              </a:spcAft>
+              <a:buSzPts val="1200"/>
+              <a:buChar char="○"/>
+            </a:pPr>
+            <a:r>
+              <a:rPr lang="en"/>
+              <a:t>LSTM</a:t>
+            </a:r>
+            <a:endParaRPr/>
+          </a:p>
+          <a:p>
+            <a:pPr indent="-304800" lvl="1" marL="914400" marR="0" rtl="0" algn="l">
+              <a:lnSpc>
+                <a:spcPct val="115000"/>
+              </a:lnSpc>
+              <a:spcBef>
+                <a:spcPts val="0"/>
+              </a:spcBef>
+              <a:spcAft>
+                <a:spcPts val="0"/>
+              </a:spcAft>
+              <a:buSzPts val="1200"/>
+              <a:buChar char="○"/>
+            </a:pPr>
+            <a:r>
+              <a:rPr lang="en"/>
+              <a:t>Transformer</a:t>
+            </a:r>
+            <a:endParaRPr/>
+          </a:p>
+          <a:p>
+            <a:pPr indent="-304800" lvl="0" marL="457200" marR="0" rtl="0" algn="l">
+              <a:lnSpc>
+                <a:spcPct val="115000"/>
+              </a:lnSpc>
+              <a:spcBef>
+                <a:spcPts val="0"/>
+              </a:spcBef>
+              <a:spcAft>
+                <a:spcPts val="0"/>
+              </a:spcAft>
+              <a:buSzPts val="1200"/>
+              <a:buChar char="●"/>
+            </a:pPr>
+            <a:r>
+              <a:rPr lang="en"/>
+              <a:t>Loss function: sum of squares</a:t>
+            </a:r>
+            <a:endParaRPr/>
+          </a:p>
+          <a:p>
+            <a:pPr indent="-304800" lvl="0" marL="457200" marR="0" rtl="0" algn="l">
+              <a:lnSpc>
+                <a:spcPct val="115000"/>
+              </a:lnSpc>
+              <a:spcBef>
+                <a:spcPts val="0"/>
+              </a:spcBef>
+              <a:spcAft>
+                <a:spcPts val="0"/>
+              </a:spcAft>
+              <a:buSzPts val="1200"/>
+              <a:buChar char="●"/>
+            </a:pPr>
+            <a:r>
+              <a:rPr lang="en"/>
+              <a:t>Initial hypoth</a:t>
+            </a:r>
+            <a:r>
+              <a:rPr lang="en"/>
+              <a:t>esis: more powerful methods would be better (LSTM and transformer)</a:t>
+            </a:r>
+            <a:endParaRPr/>
+          </a:p>
+          <a:p>
+            <a:pPr indent="-304800" lvl="0" marL="457200" marR="0" rtl="0" algn="l">
+              <a:lnSpc>
+                <a:spcPct val="115000"/>
+              </a:lnSpc>
+              <a:spcBef>
+                <a:spcPts val="0"/>
+              </a:spcBef>
+              <a:spcAft>
+                <a:spcPts val="0"/>
+              </a:spcAft>
+              <a:buSzPts val="1200"/>
+              <a:buChar char="●"/>
+            </a:pPr>
+            <a:r>
+              <a:rPr lang="en"/>
+              <a:t>Findings: simpler feed forward neural network worked better</a:t>
+            </a:r>
+            <a:endParaRPr/>
+          </a:p>
+          <a:p>
+            <a:pPr indent="-304800" lvl="1" marL="914400" marR="0" rtl="0" algn="l">
+              <a:lnSpc>
+                <a:spcPct val="115000"/>
+              </a:lnSpc>
+              <a:spcBef>
+                <a:spcPts val="0"/>
+              </a:spcBef>
+              <a:spcAft>
+                <a:spcPts val="0"/>
+              </a:spcAft>
+              <a:buSzPts val="1200"/>
+              <a:buChar char="○"/>
+            </a:pPr>
+            <a:r>
+              <a:rPr lang="en"/>
+              <a:t>most data has linear trends, and simple patterns in the data are more geared towards the simpler models</a:t>
+            </a:r>
+            <a:endParaRPr/>
+          </a:p>
+          <a:p>
+            <a:pPr indent="-304800" lvl="1" marL="914400" marR="0" rtl="0" algn="l">
+              <a:lnSpc>
+                <a:spcPct val="115000"/>
+              </a:lnSpc>
+              <a:spcBef>
+                <a:spcPts val="0"/>
+              </a:spcBef>
+              <a:spcAft>
+                <a:spcPts val="0"/>
+              </a:spcAft>
+              <a:buSzPts val="1200"/>
+              <a:buChar char="○"/>
+            </a:pPr>
+            <a:r>
+              <a:rPr lang="en"/>
+              <a:t>complex models not sufficiently tuned during experimentation</a:t>
             </a:r>
             <a:endParaRPr/>
           </a:p>
